--- a/doc/tex/lib/m_qam_transmitter/figures_raw/MQAM_transmitter_block_diagram.pptx
+++ b/doc/tex/lib/m_qam_transmitter/figures_raw/MQAM_transmitter_block_diagram.pptx
@@ -112,10 +112,6 @@
 </p:presentation>
 </file>
 
-<file path=ppt/revisionInfo.xml><?xml version="1.0" encoding="utf-8"?>
-<p1510:revInfo xmlns:a="http://schemas.openxmlformats.org/drawingml/2006/main" xmlns:r="http://schemas.openxmlformats.org/officeDocument/2006/relationships" xmlns:p1510="http://schemas.microsoft.com/office/powerpoint/2015/10/main"/>
-</file>
-
 <file path=ppt/slideLayouts/slideLayout1.xml><?xml version="1.0" encoding="utf-8"?>
 <p:sldLayout xmlns:a="http://schemas.openxmlformats.org/drawingml/2006/main" xmlns:r="http://schemas.openxmlformats.org/officeDocument/2006/relationships" xmlns:p="http://schemas.openxmlformats.org/presentationml/2006/main" type="title" preserve="1">
   <p:cSld name="Diapositivo de Título">
@@ -263,7 +259,7 @@
           <a:p>
             <a:fld id="{1A431085-F8F1-4567-A76F-09B128F9242B}" type="datetimeFigureOut">
               <a:rPr lang="pt-PT" smtClean="0"/>
-              <a:t>10-12-2017</a:t>
+              <a:t>02/04/2019</a:t>
             </a:fld>
             <a:endParaRPr lang="pt-PT"/>
           </a:p>
@@ -461,7 +457,7 @@
           <a:p>
             <a:fld id="{1A431085-F8F1-4567-A76F-09B128F9242B}" type="datetimeFigureOut">
               <a:rPr lang="pt-PT" smtClean="0"/>
-              <a:t>10-12-2017</a:t>
+              <a:t>02/04/2019</a:t>
             </a:fld>
             <a:endParaRPr lang="pt-PT"/>
           </a:p>
@@ -669,7 +665,7 @@
           <a:p>
             <a:fld id="{1A431085-F8F1-4567-A76F-09B128F9242B}" type="datetimeFigureOut">
               <a:rPr lang="pt-PT" smtClean="0"/>
-              <a:t>10-12-2017</a:t>
+              <a:t>02/04/2019</a:t>
             </a:fld>
             <a:endParaRPr lang="pt-PT"/>
           </a:p>
@@ -867,7 +863,7 @@
           <a:p>
             <a:fld id="{1A431085-F8F1-4567-A76F-09B128F9242B}" type="datetimeFigureOut">
               <a:rPr lang="pt-PT" smtClean="0"/>
-              <a:t>10-12-2017</a:t>
+              <a:t>02/04/2019</a:t>
             </a:fld>
             <a:endParaRPr lang="pt-PT"/>
           </a:p>
@@ -1142,7 +1138,7 @@
           <a:p>
             <a:fld id="{1A431085-F8F1-4567-A76F-09B128F9242B}" type="datetimeFigureOut">
               <a:rPr lang="pt-PT" smtClean="0"/>
-              <a:t>10-12-2017</a:t>
+              <a:t>02/04/2019</a:t>
             </a:fld>
             <a:endParaRPr lang="pt-PT"/>
           </a:p>
@@ -1407,7 +1403,7 @@
           <a:p>
             <a:fld id="{1A431085-F8F1-4567-A76F-09B128F9242B}" type="datetimeFigureOut">
               <a:rPr lang="pt-PT" smtClean="0"/>
-              <a:t>10-12-2017</a:t>
+              <a:t>02/04/2019</a:t>
             </a:fld>
             <a:endParaRPr lang="pt-PT"/>
           </a:p>
@@ -1819,7 +1815,7 @@
           <a:p>
             <a:fld id="{1A431085-F8F1-4567-A76F-09B128F9242B}" type="datetimeFigureOut">
               <a:rPr lang="pt-PT" smtClean="0"/>
-              <a:t>10-12-2017</a:t>
+              <a:t>02/04/2019</a:t>
             </a:fld>
             <a:endParaRPr lang="pt-PT"/>
           </a:p>
@@ -1960,7 +1956,7 @@
           <a:p>
             <a:fld id="{1A431085-F8F1-4567-A76F-09B128F9242B}" type="datetimeFigureOut">
               <a:rPr lang="pt-PT" smtClean="0"/>
-              <a:t>10-12-2017</a:t>
+              <a:t>02/04/2019</a:t>
             </a:fld>
             <a:endParaRPr lang="pt-PT"/>
           </a:p>
@@ -2073,7 +2069,7 @@
           <a:p>
             <a:fld id="{1A431085-F8F1-4567-A76F-09B128F9242B}" type="datetimeFigureOut">
               <a:rPr lang="pt-PT" smtClean="0"/>
-              <a:t>10-12-2017</a:t>
+              <a:t>02/04/2019</a:t>
             </a:fld>
             <a:endParaRPr lang="pt-PT"/>
           </a:p>
@@ -2384,7 +2380,7 @@
           <a:p>
             <a:fld id="{1A431085-F8F1-4567-A76F-09B128F9242B}" type="datetimeFigureOut">
               <a:rPr lang="pt-PT" smtClean="0"/>
-              <a:t>10-12-2017</a:t>
+              <a:t>02/04/2019</a:t>
             </a:fld>
             <a:endParaRPr lang="pt-PT"/>
           </a:p>
@@ -2672,7 +2668,7 @@
           <a:p>
             <a:fld id="{1A431085-F8F1-4567-A76F-09B128F9242B}" type="datetimeFigureOut">
               <a:rPr lang="pt-PT" smtClean="0"/>
-              <a:t>10-12-2017</a:t>
+              <a:t>02/04/2019</a:t>
             </a:fld>
             <a:endParaRPr lang="pt-PT"/>
           </a:p>
@@ -2913,7 +2909,7 @@
           <a:p>
             <a:fld id="{1A431085-F8F1-4567-A76F-09B128F9242B}" type="datetimeFigureOut">
               <a:rPr lang="pt-PT" smtClean="0"/>
-              <a:t>10-12-2017</a:t>
+              <a:t>02/04/2019</a:t>
             </a:fld>
             <a:endParaRPr lang="pt-PT"/>
           </a:p>
@@ -3330,1511 +3326,1367 @@
           <a:chExt cx="0" cy="0"/>
         </a:xfrm>
       </p:grpSpPr>
-      <p:grpSp>
-        <p:nvGrpSpPr>
-          <p:cNvPr id="2" name="Grupo 1">
-            <a:extLst>
-              <a:ext uri="{FF2B5EF4-FFF2-40B4-BE49-F238E27FC236}">
-                <a16:creationId xmlns:a16="http://schemas.microsoft.com/office/drawing/2014/main" id="{44609891-3F7E-4D6A-818B-1985CBABA90C}"/>
-              </a:ext>
-            </a:extLst>
-          </p:cNvPr>
-          <p:cNvGrpSpPr/>
+      <p:sp>
+        <p:nvSpPr>
+          <p:cNvPr id="37" name="CaixaDeTexto 36">
+            <a:extLst>
+              <a:ext uri="{FF2B5EF4-FFF2-40B4-BE49-F238E27FC236}">
+                <a16:creationId xmlns:a16="http://schemas.microsoft.com/office/drawing/2014/main" id="{541FF4E5-81CE-4981-B692-BA9F838CEDA3}"/>
+              </a:ext>
+            </a:extLst>
+          </p:cNvPr>
+          <p:cNvSpPr txBox="1"/>
           <p:nvPr/>
-        </p:nvGrpSpPr>
-        <p:grpSpPr>
+        </p:nvSpPr>
+        <p:spPr>
           <a:xfrm>
-            <a:off x="-318705" y="1515576"/>
-            <a:ext cx="14029153" cy="3479082"/>
-            <a:chOff x="-318705" y="1515576"/>
-            <a:chExt cx="14029153" cy="3479082"/>
-          </a:xfrm>
-        </p:grpSpPr>
-        <p:sp>
-          <p:nvSpPr>
-            <p:cNvPr id="5" name="Rectangle 3">
-              <a:extLst>
-                <a:ext uri="{FF2B5EF4-FFF2-40B4-BE49-F238E27FC236}">
-                  <a16:creationId xmlns:a16="http://schemas.microsoft.com/office/drawing/2014/main" id="{8981D306-48D8-45C4-B116-9507759D360E}"/>
-                </a:ext>
-              </a:extLst>
-            </p:cNvPr>
-            <p:cNvSpPr/>
-            <p:nvPr/>
-          </p:nvSpPr>
-          <p:spPr>
-            <a:xfrm>
-              <a:off x="72773" y="2744321"/>
-              <a:ext cx="1139464" cy="785612"/>
-            </a:xfrm>
-            <a:prstGeom prst="rect">
-              <a:avLst/>
-            </a:prstGeom>
-            <a:noFill/>
-            <a:ln w="25400">
+            <a:off x="9940994" y="2833978"/>
+            <a:ext cx="2328084" cy="646331"/>
+          </a:xfrm>
+          <a:prstGeom prst="rect">
+            <a:avLst/>
+          </a:prstGeom>
+          <a:noFill/>
+        </p:spPr>
+        <p:txBody>
+          <a:bodyPr wrap="square" rtlCol="0">
+            <a:spAutoFit/>
+          </a:bodyPr>
+          <a:lstStyle/>
+          <a:p>
+            <a:pPr algn="ctr"/>
+            <a:r>
+              <a:rPr lang="pt-PT" dirty="0"/>
+              <a:t>Output </a:t>
+            </a:r>
+            <a:r>
+              <a:rPr lang="pt-PT" dirty="0" err="1"/>
+              <a:t>signal</a:t>
+            </a:r>
+            <a:r>
+              <a:rPr lang="pt-PT" dirty="0"/>
+              <a:t> 1 (MQAM </a:t>
+            </a:r>
+            <a:r>
+              <a:rPr lang="pt-PT" dirty="0" err="1"/>
+              <a:t>Optical</a:t>
+            </a:r>
+            <a:r>
+              <a:rPr lang="pt-PT" dirty="0"/>
+              <a:t> </a:t>
+            </a:r>
+            <a:r>
+              <a:rPr lang="pt-PT" dirty="0" err="1"/>
+              <a:t>signal</a:t>
+            </a:r>
+            <a:r>
+              <a:rPr lang="pt-PT" dirty="0"/>
+              <a:t>)</a:t>
+            </a:r>
+          </a:p>
+        </p:txBody>
+      </p:sp>
+      <p:sp>
+        <p:nvSpPr>
+          <p:cNvPr id="36" name="CaixaDeTexto 35">
+            <a:extLst>
+              <a:ext uri="{FF2B5EF4-FFF2-40B4-BE49-F238E27FC236}">
+                <a16:creationId xmlns:a16="http://schemas.microsoft.com/office/drawing/2014/main" id="{5AF0A499-648C-40BB-BCD7-2E7A41CD415C}"/>
+              </a:ext>
+            </a:extLst>
+          </p:cNvPr>
+          <p:cNvSpPr txBox="1"/>
+          <p:nvPr/>
+        </p:nvSpPr>
+        <p:spPr>
+          <a:xfrm>
+            <a:off x="-270268" y="2813961"/>
+            <a:ext cx="1922419" cy="646331"/>
+          </a:xfrm>
+          <a:prstGeom prst="rect">
+            <a:avLst/>
+          </a:prstGeom>
+          <a:noFill/>
+        </p:spPr>
+        <p:txBody>
+          <a:bodyPr wrap="square" rtlCol="0">
+            <a:spAutoFit/>
+          </a:bodyPr>
+          <a:lstStyle/>
+          <a:p>
+            <a:pPr algn="ctr"/>
+            <a:r>
+              <a:rPr lang="pt-PT" dirty="0"/>
+              <a:t>Input </a:t>
+            </a:r>
+            <a:r>
+              <a:rPr lang="pt-PT" dirty="0" err="1"/>
+              <a:t>signal</a:t>
+            </a:r>
+            <a:r>
+              <a:rPr lang="pt-PT" dirty="0"/>
+              <a:t> 1  (</a:t>
+            </a:r>
+            <a:r>
+              <a:rPr lang="pt-PT" dirty="0" err="1"/>
+              <a:t>Binary</a:t>
+            </a:r>
+            <a:r>
+              <a:rPr lang="pt-PT" dirty="0"/>
+              <a:t>)</a:t>
+            </a:r>
+          </a:p>
+        </p:txBody>
+      </p:sp>
+      <p:sp>
+        <p:nvSpPr>
+          <p:cNvPr id="6" name="Rectangle 4">
+            <a:extLst>
+              <a:ext uri="{FF2B5EF4-FFF2-40B4-BE49-F238E27FC236}">
+                <a16:creationId xmlns:a16="http://schemas.microsoft.com/office/drawing/2014/main" id="{F344CE8F-7CF3-4A28-BC34-25C5AB559A55}"/>
+              </a:ext>
+            </a:extLst>
+          </p:cNvPr>
+          <p:cNvSpPr/>
+          <p:nvPr/>
+        </p:nvSpPr>
+        <p:spPr>
+          <a:xfrm>
+            <a:off x="1680148" y="2744321"/>
+            <a:ext cx="1234501" cy="785612"/>
+          </a:xfrm>
+          <a:prstGeom prst="rect">
+            <a:avLst/>
+          </a:prstGeom>
+          <a:noFill/>
+          <a:ln w="25400">
+            <a:solidFill>
+              <a:schemeClr val="tx1"/>
+            </a:solidFill>
+          </a:ln>
+        </p:spPr>
+        <p:style>
+          <a:lnRef idx="2">
+            <a:schemeClr val="accent1">
+              <a:shade val="50000"/>
+            </a:schemeClr>
+          </a:lnRef>
+          <a:fillRef idx="1">
+            <a:schemeClr val="accent1"/>
+          </a:fillRef>
+          <a:effectRef idx="0">
+            <a:schemeClr val="accent1"/>
+          </a:effectRef>
+          <a:fontRef idx="minor">
+            <a:schemeClr val="lt1"/>
+          </a:fontRef>
+        </p:style>
+        <p:txBody>
+          <a:bodyPr rtlCol="0" anchor="ctr"/>
+          <a:lstStyle/>
+          <a:p>
+            <a:pPr algn="ctr"/>
+            <a:r>
+              <a:rPr lang="pt-PT" dirty="0">
+                <a:solidFill>
+                  <a:schemeClr val="tx1"/>
+                </a:solidFill>
+              </a:rPr>
+              <a:t>MQAM Mapper</a:t>
+            </a:r>
+          </a:p>
+        </p:txBody>
+      </p:sp>
+      <p:sp>
+        <p:nvSpPr>
+          <p:cNvPr id="7" name="Rectangle 5">
+            <a:extLst>
+              <a:ext uri="{FF2B5EF4-FFF2-40B4-BE49-F238E27FC236}">
+                <a16:creationId xmlns:a16="http://schemas.microsoft.com/office/drawing/2014/main" id="{12292CFC-7354-410C-8992-3F08D6FC4689}"/>
+              </a:ext>
+            </a:extLst>
+          </p:cNvPr>
+          <p:cNvSpPr/>
+          <p:nvPr/>
+        </p:nvSpPr>
+        <p:spPr>
+          <a:xfrm>
+            <a:off x="4187692" y="1958709"/>
+            <a:ext cx="1431430" cy="964926"/>
+          </a:xfrm>
+          <a:prstGeom prst="rect">
+            <a:avLst/>
+          </a:prstGeom>
+          <a:noFill/>
+          <a:ln w="25400">
+            <a:solidFill>
+              <a:schemeClr val="tx1"/>
+            </a:solidFill>
+          </a:ln>
+        </p:spPr>
+        <p:style>
+          <a:lnRef idx="2">
+            <a:schemeClr val="accent1">
+              <a:shade val="50000"/>
+            </a:schemeClr>
+          </a:lnRef>
+          <a:fillRef idx="1">
+            <a:schemeClr val="accent1"/>
+          </a:fillRef>
+          <a:effectRef idx="0">
+            <a:schemeClr val="accent1"/>
+          </a:effectRef>
+          <a:fontRef idx="minor">
+            <a:schemeClr val="lt1"/>
+          </a:fontRef>
+        </p:style>
+        <p:txBody>
+          <a:bodyPr rtlCol="0" anchor="ctr"/>
+          <a:lstStyle/>
+          <a:p>
+            <a:pPr algn="ctr"/>
+            <a:r>
+              <a:rPr lang="pt-PT" dirty="0">
+                <a:solidFill>
+                  <a:schemeClr val="tx1"/>
+                </a:solidFill>
+              </a:rPr>
+              <a:t>Discrete To Continuous Time</a:t>
+            </a:r>
+          </a:p>
+        </p:txBody>
+      </p:sp>
+      <p:sp>
+        <p:nvSpPr>
+          <p:cNvPr id="8" name="Rectangle 6">
+            <a:extLst>
+              <a:ext uri="{FF2B5EF4-FFF2-40B4-BE49-F238E27FC236}">
+                <a16:creationId xmlns:a16="http://schemas.microsoft.com/office/drawing/2014/main" id="{5BBE3346-9912-4CE8-A532-EF46265D19A6}"/>
+              </a:ext>
+            </a:extLst>
+          </p:cNvPr>
+          <p:cNvSpPr/>
+          <p:nvPr/>
+        </p:nvSpPr>
+        <p:spPr>
+          <a:xfrm>
+            <a:off x="4187692" y="3529932"/>
+            <a:ext cx="1431430" cy="917867"/>
+          </a:xfrm>
+          <a:prstGeom prst="rect">
+            <a:avLst/>
+          </a:prstGeom>
+          <a:noFill/>
+          <a:ln w="25400">
+            <a:solidFill>
+              <a:schemeClr val="tx1"/>
+            </a:solidFill>
+          </a:ln>
+        </p:spPr>
+        <p:style>
+          <a:lnRef idx="2">
+            <a:schemeClr val="accent1">
+              <a:shade val="50000"/>
+            </a:schemeClr>
+          </a:lnRef>
+          <a:fillRef idx="1">
+            <a:schemeClr val="accent1"/>
+          </a:fillRef>
+          <a:effectRef idx="0">
+            <a:schemeClr val="accent1"/>
+          </a:effectRef>
+          <a:fontRef idx="minor">
+            <a:schemeClr val="lt1"/>
+          </a:fontRef>
+        </p:style>
+        <p:txBody>
+          <a:bodyPr rtlCol="0" anchor="ctr">
+            <a:noAutofit/>
+          </a:bodyPr>
+          <a:lstStyle/>
+          <a:p>
+            <a:pPr algn="ctr"/>
+            <a:r>
+              <a:rPr lang="pt-PT">
+                <a:solidFill>
+                  <a:schemeClr val="tx1"/>
+                </a:solidFill>
+              </a:rPr>
+              <a:t>Discrete To Continuous Time</a:t>
+            </a:r>
+            <a:endParaRPr lang="pt-PT" dirty="0">
               <a:solidFill>
                 <a:schemeClr val="tx1"/>
               </a:solidFill>
-            </a:ln>
-          </p:spPr>
-          <p:style>
-            <a:lnRef idx="2">
-              <a:schemeClr val="accent1">
-                <a:shade val="50000"/>
-              </a:schemeClr>
-            </a:lnRef>
-            <a:fillRef idx="1">
-              <a:schemeClr val="accent1"/>
-            </a:fillRef>
-            <a:effectRef idx="0">
-              <a:schemeClr val="accent1"/>
-            </a:effectRef>
-            <a:fontRef idx="minor">
-              <a:schemeClr val="lt1"/>
-            </a:fontRef>
-          </p:style>
-          <p:txBody>
-            <a:bodyPr rtlCol="0" anchor="ctr"/>
-            <a:lstStyle/>
-            <a:p>
-              <a:pPr algn="ctr"/>
-              <a:r>
-                <a:rPr lang="pt-PT" dirty="0">
-                  <a:solidFill>
-                    <a:schemeClr val="tx1"/>
-                  </a:solidFill>
-                </a:rPr>
-                <a:t>Binary Source</a:t>
-              </a:r>
-            </a:p>
-          </p:txBody>
-        </p:sp>
-        <p:sp>
-          <p:nvSpPr>
-            <p:cNvPr id="6" name="Rectangle 4">
-              <a:extLst>
-                <a:ext uri="{FF2B5EF4-FFF2-40B4-BE49-F238E27FC236}">
-                  <a16:creationId xmlns:a16="http://schemas.microsoft.com/office/drawing/2014/main" id="{F344CE8F-7CF3-4A28-BC34-25C5AB559A55}"/>
-                </a:ext>
-              </a:extLst>
-            </p:cNvPr>
-            <p:cNvSpPr/>
-            <p:nvPr/>
-          </p:nvSpPr>
-          <p:spPr>
-            <a:xfrm>
-              <a:off x="2257661" y="2744321"/>
-              <a:ext cx="1234501" cy="785612"/>
-            </a:xfrm>
-            <a:prstGeom prst="rect">
-              <a:avLst/>
-            </a:prstGeom>
-            <a:noFill/>
-            <a:ln w="25400">
-              <a:solidFill>
-                <a:schemeClr val="tx1"/>
-              </a:solidFill>
-            </a:ln>
-          </p:spPr>
-          <p:style>
-            <a:lnRef idx="2">
-              <a:schemeClr val="accent1">
-                <a:shade val="50000"/>
-              </a:schemeClr>
-            </a:lnRef>
-            <a:fillRef idx="1">
-              <a:schemeClr val="accent1"/>
-            </a:fillRef>
-            <a:effectRef idx="0">
-              <a:schemeClr val="accent1"/>
-            </a:effectRef>
-            <a:fontRef idx="minor">
-              <a:schemeClr val="lt1"/>
-            </a:fontRef>
-          </p:style>
-          <p:txBody>
-            <a:bodyPr rtlCol="0" anchor="ctr"/>
-            <a:lstStyle/>
-            <a:p>
-              <a:pPr algn="ctr"/>
-              <a:r>
-                <a:rPr lang="pt-PT" dirty="0">
-                  <a:solidFill>
-                    <a:schemeClr val="tx1"/>
-                  </a:solidFill>
-                </a:rPr>
-                <a:t>MQAM Mapper</a:t>
-              </a:r>
-            </a:p>
-          </p:txBody>
-        </p:sp>
-        <p:sp>
-          <p:nvSpPr>
-            <p:cNvPr id="7" name="Rectangle 5">
-              <a:extLst>
-                <a:ext uri="{FF2B5EF4-FFF2-40B4-BE49-F238E27FC236}">
-                  <a16:creationId xmlns:a16="http://schemas.microsoft.com/office/drawing/2014/main" id="{12292CFC-7354-410C-8992-3F08D6FC4689}"/>
-                </a:ext>
-              </a:extLst>
-            </p:cNvPr>
-            <p:cNvSpPr/>
-            <p:nvPr/>
-          </p:nvSpPr>
-          <p:spPr>
-            <a:xfrm>
-              <a:off x="4765205" y="1958709"/>
-              <a:ext cx="1431430" cy="964926"/>
-            </a:xfrm>
-            <a:prstGeom prst="rect">
-              <a:avLst/>
-            </a:prstGeom>
-            <a:noFill/>
-            <a:ln w="25400">
-              <a:solidFill>
-                <a:schemeClr val="tx1"/>
-              </a:solidFill>
-            </a:ln>
-          </p:spPr>
-          <p:style>
-            <a:lnRef idx="2">
-              <a:schemeClr val="accent1">
-                <a:shade val="50000"/>
-              </a:schemeClr>
-            </a:lnRef>
-            <a:fillRef idx="1">
-              <a:schemeClr val="accent1"/>
-            </a:fillRef>
-            <a:effectRef idx="0">
-              <a:schemeClr val="accent1"/>
-            </a:effectRef>
-            <a:fontRef idx="minor">
-              <a:schemeClr val="lt1"/>
-            </a:fontRef>
-          </p:style>
-          <p:txBody>
-            <a:bodyPr rtlCol="0" anchor="ctr"/>
-            <a:lstStyle/>
-            <a:p>
-              <a:pPr algn="ctr"/>
-              <a:r>
-                <a:rPr lang="pt-PT" dirty="0">
-                  <a:solidFill>
-                    <a:schemeClr val="tx1"/>
-                  </a:solidFill>
-                </a:rPr>
-                <a:t>Discrete To Continuous Time</a:t>
-              </a:r>
-            </a:p>
-          </p:txBody>
-        </p:sp>
-        <p:sp>
-          <p:nvSpPr>
-            <p:cNvPr id="8" name="Rectangle 6">
-              <a:extLst>
-                <a:ext uri="{FF2B5EF4-FFF2-40B4-BE49-F238E27FC236}">
-                  <a16:creationId xmlns:a16="http://schemas.microsoft.com/office/drawing/2014/main" id="{5BBE3346-9912-4CE8-A532-EF46265D19A6}"/>
-                </a:ext>
-              </a:extLst>
-            </p:cNvPr>
-            <p:cNvSpPr/>
-            <p:nvPr/>
-          </p:nvSpPr>
-          <p:spPr>
-            <a:xfrm>
-              <a:off x="4765205" y="3529932"/>
-              <a:ext cx="1431430" cy="917867"/>
-            </a:xfrm>
-            <a:prstGeom prst="rect">
-              <a:avLst/>
-            </a:prstGeom>
-            <a:noFill/>
-            <a:ln w="25400">
-              <a:solidFill>
-                <a:schemeClr val="tx1"/>
-              </a:solidFill>
-            </a:ln>
-          </p:spPr>
-          <p:style>
-            <a:lnRef idx="2">
-              <a:schemeClr val="accent1">
-                <a:shade val="50000"/>
-              </a:schemeClr>
-            </a:lnRef>
-            <a:fillRef idx="1">
-              <a:schemeClr val="accent1"/>
-            </a:fillRef>
-            <a:effectRef idx="0">
-              <a:schemeClr val="accent1"/>
-            </a:effectRef>
-            <a:fontRef idx="minor">
-              <a:schemeClr val="lt1"/>
-            </a:fontRef>
-          </p:style>
-          <p:txBody>
-            <a:bodyPr rtlCol="0" anchor="ctr">
-              <a:noAutofit/>
-            </a:bodyPr>
-            <a:lstStyle/>
-            <a:p>
-              <a:pPr algn="ctr"/>
-              <a:r>
-                <a:rPr lang="pt-PT">
-                  <a:solidFill>
-                    <a:schemeClr val="tx1"/>
-                  </a:solidFill>
-                </a:rPr>
-                <a:t>Discrete To Continuous Time</a:t>
-              </a:r>
-              <a:endParaRPr lang="pt-PT" dirty="0">
+            </a:endParaRPr>
+          </a:p>
+        </p:txBody>
+      </p:sp>
+      <p:sp>
+        <p:nvSpPr>
+          <p:cNvPr id="9" name="Rectangle 7">
+            <a:extLst>
+              <a:ext uri="{FF2B5EF4-FFF2-40B4-BE49-F238E27FC236}">
+                <a16:creationId xmlns:a16="http://schemas.microsoft.com/office/drawing/2014/main" id="{C930C78A-336B-4945-A133-E1AFD81B203F}"/>
+              </a:ext>
+            </a:extLst>
+          </p:cNvPr>
+          <p:cNvSpPr/>
+          <p:nvPr/>
+        </p:nvSpPr>
+        <p:spPr>
+          <a:xfrm>
+            <a:off x="6564862" y="2048366"/>
+            <a:ext cx="1097344" cy="785612"/>
+          </a:xfrm>
+          <a:prstGeom prst="rect">
+            <a:avLst/>
+          </a:prstGeom>
+          <a:noFill/>
+          <a:ln w="25400">
+            <a:solidFill>
+              <a:schemeClr val="tx1"/>
+            </a:solidFill>
+          </a:ln>
+        </p:spPr>
+        <p:style>
+          <a:lnRef idx="2">
+            <a:schemeClr val="accent1">
+              <a:shade val="50000"/>
+            </a:schemeClr>
+          </a:lnRef>
+          <a:fillRef idx="1">
+            <a:schemeClr val="accent1"/>
+          </a:fillRef>
+          <a:effectRef idx="0">
+            <a:schemeClr val="accent1"/>
+          </a:effectRef>
+          <a:fontRef idx="minor">
+            <a:schemeClr val="lt1"/>
+          </a:fontRef>
+        </p:style>
+        <p:txBody>
+          <a:bodyPr rtlCol="0" anchor="ctr"/>
+          <a:lstStyle/>
+          <a:p>
+            <a:pPr algn="ctr"/>
+            <a:r>
+              <a:rPr lang="pt-PT" dirty="0">
                 <a:solidFill>
                   <a:schemeClr val="tx1"/>
                 </a:solidFill>
-              </a:endParaRPr>
-            </a:p>
-          </p:txBody>
-        </p:sp>
-        <p:sp>
-          <p:nvSpPr>
-            <p:cNvPr id="9" name="Rectangle 7">
-              <a:extLst>
-                <a:ext uri="{FF2B5EF4-FFF2-40B4-BE49-F238E27FC236}">
-                  <a16:creationId xmlns:a16="http://schemas.microsoft.com/office/drawing/2014/main" id="{C930C78A-336B-4945-A133-E1AFD81B203F}"/>
-                </a:ext>
-              </a:extLst>
-            </p:cNvPr>
-            <p:cNvSpPr/>
-            <p:nvPr/>
-          </p:nvSpPr>
-          <p:spPr>
-            <a:xfrm>
-              <a:off x="7142375" y="2048366"/>
-              <a:ext cx="1097344" cy="785612"/>
-            </a:xfrm>
-            <a:prstGeom prst="rect">
-              <a:avLst/>
-            </a:prstGeom>
-            <a:noFill/>
-            <a:ln w="25400">
-              <a:solidFill>
-                <a:schemeClr val="tx1"/>
-              </a:solidFill>
-            </a:ln>
-          </p:spPr>
-          <p:style>
-            <a:lnRef idx="2">
-              <a:schemeClr val="accent1">
-                <a:shade val="50000"/>
-              </a:schemeClr>
-            </a:lnRef>
-            <a:fillRef idx="1">
-              <a:schemeClr val="accent1"/>
-            </a:fillRef>
-            <a:effectRef idx="0">
-              <a:schemeClr val="accent1"/>
-            </a:effectRef>
-            <a:fontRef idx="minor">
-              <a:schemeClr val="lt1"/>
-            </a:fontRef>
-          </p:style>
-          <p:txBody>
-            <a:bodyPr rtlCol="0" anchor="ctr"/>
-            <a:lstStyle/>
-            <a:p>
-              <a:pPr algn="ctr"/>
-              <a:r>
-                <a:rPr lang="pt-PT" dirty="0">
-                  <a:solidFill>
-                    <a:schemeClr val="tx1"/>
-                  </a:solidFill>
-                </a:rPr>
-                <a:t>Pulse Shaper</a:t>
-              </a:r>
-            </a:p>
-          </p:txBody>
-        </p:sp>
-        <p:sp>
-          <p:nvSpPr>
-            <p:cNvPr id="10" name="Rectangle 8">
-              <a:extLst>
-                <a:ext uri="{FF2B5EF4-FFF2-40B4-BE49-F238E27FC236}">
-                  <a16:creationId xmlns:a16="http://schemas.microsoft.com/office/drawing/2014/main" id="{E4CE7B5E-3CEA-4BD4-A381-12F9C00DC2B8}"/>
-                </a:ext>
-              </a:extLst>
-            </p:cNvPr>
-            <p:cNvSpPr/>
-            <p:nvPr/>
-          </p:nvSpPr>
-          <p:spPr>
-            <a:xfrm>
-              <a:off x="7142375" y="3596059"/>
-              <a:ext cx="1097344" cy="785612"/>
-            </a:xfrm>
-            <a:prstGeom prst="rect">
-              <a:avLst/>
-            </a:prstGeom>
-            <a:noFill/>
-            <a:ln w="25400">
-              <a:solidFill>
-                <a:schemeClr val="tx1"/>
-              </a:solidFill>
-            </a:ln>
-          </p:spPr>
-          <p:style>
-            <a:lnRef idx="2">
-              <a:schemeClr val="accent1">
-                <a:shade val="50000"/>
-              </a:schemeClr>
-            </a:lnRef>
-            <a:fillRef idx="1">
-              <a:schemeClr val="accent1"/>
-            </a:fillRef>
-            <a:effectRef idx="0">
-              <a:schemeClr val="accent1"/>
-            </a:effectRef>
-            <a:fontRef idx="minor">
-              <a:schemeClr val="lt1"/>
-            </a:fontRef>
-          </p:style>
-          <p:txBody>
-            <a:bodyPr rtlCol="0" anchor="ctr"/>
-            <a:lstStyle/>
-            <a:p>
-              <a:pPr algn="ctr"/>
-              <a:r>
-                <a:rPr lang="pt-PT" dirty="0">
-                  <a:solidFill>
-                    <a:schemeClr val="tx1"/>
-                  </a:solidFill>
-                </a:rPr>
-                <a:t>Pulse Shaper</a:t>
-              </a:r>
-            </a:p>
-          </p:txBody>
-        </p:sp>
-        <p:sp>
-          <p:nvSpPr>
-            <p:cNvPr id="11" name="Rectangle 9">
-              <a:extLst>
-                <a:ext uri="{FF2B5EF4-FFF2-40B4-BE49-F238E27FC236}">
-                  <a16:creationId xmlns:a16="http://schemas.microsoft.com/office/drawing/2014/main" id="{F3B334FB-E1B3-46FB-A939-827C87994445}"/>
-                </a:ext>
-              </a:extLst>
-            </p:cNvPr>
-            <p:cNvSpPr/>
-            <p:nvPr/>
-          </p:nvSpPr>
-          <p:spPr>
-            <a:xfrm>
-              <a:off x="9349464" y="2744321"/>
-              <a:ext cx="1208155" cy="785612"/>
-            </a:xfrm>
-            <a:prstGeom prst="rect">
-              <a:avLst/>
-            </a:prstGeom>
-            <a:noFill/>
-            <a:ln w="25400">
-              <a:solidFill>
-                <a:schemeClr val="tx1"/>
-              </a:solidFill>
-            </a:ln>
-          </p:spPr>
-          <p:style>
-            <a:lnRef idx="2">
-              <a:schemeClr val="accent1">
-                <a:shade val="50000"/>
-              </a:schemeClr>
-            </a:lnRef>
-            <a:fillRef idx="1">
-              <a:schemeClr val="accent1"/>
-            </a:fillRef>
-            <a:effectRef idx="0">
-              <a:schemeClr val="accent1"/>
-            </a:effectRef>
-            <a:fontRef idx="minor">
-              <a:schemeClr val="lt1"/>
-            </a:fontRef>
-          </p:style>
-          <p:txBody>
-            <a:bodyPr rtlCol="0" anchor="ctr"/>
-            <a:lstStyle/>
-            <a:p>
-              <a:pPr algn="ctr"/>
-              <a:r>
-                <a:rPr lang="pt-PT" dirty="0" err="1">
-                  <a:solidFill>
-                    <a:schemeClr val="tx1"/>
-                  </a:solidFill>
-                </a:rPr>
-                <a:t>Optical</a:t>
-              </a:r>
-              <a:r>
-                <a:rPr lang="pt-PT" dirty="0">
-                  <a:solidFill>
-                    <a:schemeClr val="tx1"/>
-                  </a:solidFill>
-                </a:rPr>
-                <a:t> IQ Modulator</a:t>
-              </a:r>
-            </a:p>
-          </p:txBody>
-        </p:sp>
-        <p:cxnSp>
-          <p:nvCxnSpPr>
-            <p:cNvPr id="12" name="Straight Connector 11">
-              <a:extLst>
-                <a:ext uri="{FF2B5EF4-FFF2-40B4-BE49-F238E27FC236}">
-                  <a16:creationId xmlns:a16="http://schemas.microsoft.com/office/drawing/2014/main" id="{CBC6B490-55A2-461D-8F50-49AD8C7E2F3B}"/>
-                </a:ext>
-              </a:extLst>
-            </p:cNvPr>
-            <p:cNvCxnSpPr>
-              <a:stCxn id="5" idx="3"/>
-              <a:endCxn id="6" idx="1"/>
-            </p:cNvCxnSpPr>
-            <p:nvPr/>
-          </p:nvCxnSpPr>
-          <p:spPr>
-            <a:xfrm>
-              <a:off x="1212237" y="3137127"/>
-              <a:ext cx="1045424" cy="0"/>
-            </a:xfrm>
-            <a:prstGeom prst="line">
-              <a:avLst/>
-            </a:prstGeom>
-            <a:ln w="19050">
-              <a:solidFill>
-                <a:schemeClr val="tx1"/>
-              </a:solidFill>
-            </a:ln>
-          </p:spPr>
-          <p:style>
-            <a:lnRef idx="1">
-              <a:schemeClr val="accent1"/>
-            </a:lnRef>
-            <a:fillRef idx="0">
-              <a:schemeClr val="accent1"/>
-            </a:fillRef>
-            <a:effectRef idx="0">
-              <a:schemeClr val="accent1"/>
-            </a:effectRef>
-            <a:fontRef idx="minor">
+              </a:rPr>
+              <a:t>Pulse Shaper</a:t>
+            </a:r>
+          </a:p>
+        </p:txBody>
+      </p:sp>
+      <p:sp>
+        <p:nvSpPr>
+          <p:cNvPr id="10" name="Rectangle 8">
+            <a:extLst>
+              <a:ext uri="{FF2B5EF4-FFF2-40B4-BE49-F238E27FC236}">
+                <a16:creationId xmlns:a16="http://schemas.microsoft.com/office/drawing/2014/main" id="{E4CE7B5E-3CEA-4BD4-A381-12F9C00DC2B8}"/>
+              </a:ext>
+            </a:extLst>
+          </p:cNvPr>
+          <p:cNvSpPr/>
+          <p:nvPr/>
+        </p:nvSpPr>
+        <p:spPr>
+          <a:xfrm>
+            <a:off x="6564862" y="3596059"/>
+            <a:ext cx="1097344" cy="785612"/>
+          </a:xfrm>
+          <a:prstGeom prst="rect">
+            <a:avLst/>
+          </a:prstGeom>
+          <a:noFill/>
+          <a:ln w="25400">
+            <a:solidFill>
               <a:schemeClr val="tx1"/>
-            </a:fontRef>
-          </p:style>
-        </p:cxnSp>
-        <p:cxnSp>
-          <p:nvCxnSpPr>
-            <p:cNvPr id="13" name="Elbow Connector 13">
-              <a:extLst>
-                <a:ext uri="{FF2B5EF4-FFF2-40B4-BE49-F238E27FC236}">
-                  <a16:creationId xmlns:a16="http://schemas.microsoft.com/office/drawing/2014/main" id="{A04B3FC4-9914-407C-95B4-27615DA6A7AB}"/>
-                </a:ext>
-              </a:extLst>
-            </p:cNvPr>
-            <p:cNvCxnSpPr>
-              <a:stCxn id="6" idx="3"/>
-              <a:endCxn id="7" idx="1"/>
-            </p:cNvCxnSpPr>
-            <p:nvPr/>
-          </p:nvCxnSpPr>
-          <p:spPr>
-            <a:xfrm flipV="1">
-              <a:off x="3492162" y="2441172"/>
-              <a:ext cx="1273043" cy="695955"/>
-            </a:xfrm>
-            <a:prstGeom prst="bentConnector3">
-              <a:avLst/>
-            </a:prstGeom>
-            <a:ln w="19050">
-              <a:solidFill>
-                <a:schemeClr val="tx1"/>
-              </a:solidFill>
-            </a:ln>
-          </p:spPr>
-          <p:style>
-            <a:lnRef idx="1">
-              <a:schemeClr val="accent1"/>
-            </a:lnRef>
-            <a:fillRef idx="0">
-              <a:schemeClr val="accent1"/>
-            </a:fillRef>
-            <a:effectRef idx="0">
-              <a:schemeClr val="accent1"/>
-            </a:effectRef>
-            <a:fontRef idx="minor">
+            </a:solidFill>
+          </a:ln>
+        </p:spPr>
+        <p:style>
+          <a:lnRef idx="2">
+            <a:schemeClr val="accent1">
+              <a:shade val="50000"/>
+            </a:schemeClr>
+          </a:lnRef>
+          <a:fillRef idx="1">
+            <a:schemeClr val="accent1"/>
+          </a:fillRef>
+          <a:effectRef idx="0">
+            <a:schemeClr val="accent1"/>
+          </a:effectRef>
+          <a:fontRef idx="minor">
+            <a:schemeClr val="lt1"/>
+          </a:fontRef>
+        </p:style>
+        <p:txBody>
+          <a:bodyPr rtlCol="0" anchor="ctr"/>
+          <a:lstStyle/>
+          <a:p>
+            <a:pPr algn="ctr"/>
+            <a:r>
+              <a:rPr lang="pt-PT" dirty="0">
+                <a:solidFill>
+                  <a:schemeClr val="tx1"/>
+                </a:solidFill>
+              </a:rPr>
+              <a:t>Pulse Shaper</a:t>
+            </a:r>
+          </a:p>
+        </p:txBody>
+      </p:sp>
+      <p:sp>
+        <p:nvSpPr>
+          <p:cNvPr id="11" name="Rectangle 9">
+            <a:extLst>
+              <a:ext uri="{FF2B5EF4-FFF2-40B4-BE49-F238E27FC236}">
+                <a16:creationId xmlns:a16="http://schemas.microsoft.com/office/drawing/2014/main" id="{F3B334FB-E1B3-46FB-A939-827C87994445}"/>
+              </a:ext>
+            </a:extLst>
+          </p:cNvPr>
+          <p:cNvSpPr/>
+          <p:nvPr/>
+        </p:nvSpPr>
+        <p:spPr>
+          <a:xfrm>
+            <a:off x="8771951" y="2744321"/>
+            <a:ext cx="1208155" cy="785612"/>
+          </a:xfrm>
+          <a:prstGeom prst="rect">
+            <a:avLst/>
+          </a:prstGeom>
+          <a:noFill/>
+          <a:ln w="25400">
+            <a:solidFill>
               <a:schemeClr val="tx1"/>
-            </a:fontRef>
-          </p:style>
-        </p:cxnSp>
-        <p:cxnSp>
-          <p:nvCxnSpPr>
-            <p:cNvPr id="14" name="Elbow Connector 17">
-              <a:extLst>
-                <a:ext uri="{FF2B5EF4-FFF2-40B4-BE49-F238E27FC236}">
-                  <a16:creationId xmlns:a16="http://schemas.microsoft.com/office/drawing/2014/main" id="{4DEA8B5A-37B9-4F84-BBA0-48F5E361D1C6}"/>
-                </a:ext>
-              </a:extLst>
-            </p:cNvPr>
-            <p:cNvCxnSpPr>
-              <a:stCxn id="6" idx="3"/>
-              <a:endCxn id="8" idx="1"/>
-            </p:cNvCxnSpPr>
-            <p:nvPr/>
-          </p:nvCxnSpPr>
-          <p:spPr>
-            <a:xfrm>
-              <a:off x="3492162" y="3137127"/>
-              <a:ext cx="1273043" cy="851739"/>
-            </a:xfrm>
-            <a:prstGeom prst="bentConnector3">
-              <a:avLst/>
-            </a:prstGeom>
-            <a:ln w="19050">
-              <a:solidFill>
-                <a:schemeClr val="tx1"/>
-              </a:solidFill>
-            </a:ln>
-          </p:spPr>
-          <p:style>
-            <a:lnRef idx="1">
-              <a:schemeClr val="accent1"/>
-            </a:lnRef>
-            <a:fillRef idx="0">
-              <a:schemeClr val="accent1"/>
-            </a:fillRef>
-            <a:effectRef idx="0">
-              <a:schemeClr val="accent1"/>
-            </a:effectRef>
-            <a:fontRef idx="minor">
+            </a:solidFill>
+          </a:ln>
+        </p:spPr>
+        <p:style>
+          <a:lnRef idx="2">
+            <a:schemeClr val="accent1">
+              <a:shade val="50000"/>
+            </a:schemeClr>
+          </a:lnRef>
+          <a:fillRef idx="1">
+            <a:schemeClr val="accent1"/>
+          </a:fillRef>
+          <a:effectRef idx="0">
+            <a:schemeClr val="accent1"/>
+          </a:effectRef>
+          <a:fontRef idx="minor">
+            <a:schemeClr val="lt1"/>
+          </a:fontRef>
+        </p:style>
+        <p:txBody>
+          <a:bodyPr rtlCol="0" anchor="ctr"/>
+          <a:lstStyle/>
+          <a:p>
+            <a:pPr algn="ctr"/>
+            <a:r>
+              <a:rPr lang="pt-PT" dirty="0" err="1">
+                <a:solidFill>
+                  <a:schemeClr val="tx1"/>
+                </a:solidFill>
+              </a:rPr>
+              <a:t>Optical</a:t>
+            </a:r>
+            <a:r>
+              <a:rPr lang="pt-PT" dirty="0">
+                <a:solidFill>
+                  <a:schemeClr val="tx1"/>
+                </a:solidFill>
+              </a:rPr>
+              <a:t> IQ Modulator</a:t>
+            </a:r>
+          </a:p>
+        </p:txBody>
+      </p:sp>
+      <p:cxnSp>
+        <p:nvCxnSpPr>
+          <p:cNvPr id="13" name="Elbow Connector 13">
+            <a:extLst>
+              <a:ext uri="{FF2B5EF4-FFF2-40B4-BE49-F238E27FC236}">
+                <a16:creationId xmlns:a16="http://schemas.microsoft.com/office/drawing/2014/main" id="{A04B3FC4-9914-407C-95B4-27615DA6A7AB}"/>
+              </a:ext>
+            </a:extLst>
+          </p:cNvPr>
+          <p:cNvCxnSpPr>
+            <a:stCxn id="6" idx="3"/>
+            <a:endCxn id="7" idx="1"/>
+          </p:cNvCxnSpPr>
+          <p:nvPr/>
+        </p:nvCxnSpPr>
+        <p:spPr>
+          <a:xfrm flipV="1">
+            <a:off x="2914649" y="2441172"/>
+            <a:ext cx="1273043" cy="695955"/>
+          </a:xfrm>
+          <a:prstGeom prst="bentConnector3">
+            <a:avLst/>
+          </a:prstGeom>
+          <a:ln w="19050">
+            <a:solidFill>
               <a:schemeClr val="tx1"/>
-            </a:fontRef>
-          </p:style>
-        </p:cxnSp>
-        <p:cxnSp>
-          <p:nvCxnSpPr>
-            <p:cNvPr id="15" name="Straight Connector 21">
-              <a:extLst>
-                <a:ext uri="{FF2B5EF4-FFF2-40B4-BE49-F238E27FC236}">
-                  <a16:creationId xmlns:a16="http://schemas.microsoft.com/office/drawing/2014/main" id="{B497C8F5-EEA9-4AB6-A9FC-2EC42CEB3C11}"/>
-                </a:ext>
-              </a:extLst>
-            </p:cNvPr>
-            <p:cNvCxnSpPr>
-              <a:stCxn id="7" idx="3"/>
-              <a:endCxn id="9" idx="1"/>
-            </p:cNvCxnSpPr>
-            <p:nvPr/>
-          </p:nvCxnSpPr>
-          <p:spPr>
-            <a:xfrm>
-              <a:off x="6196635" y="2441172"/>
-              <a:ext cx="945740" cy="0"/>
-            </a:xfrm>
-            <a:prstGeom prst="line">
-              <a:avLst/>
-            </a:prstGeom>
-            <a:ln w="19050">
-              <a:solidFill>
-                <a:schemeClr val="tx1"/>
-              </a:solidFill>
-            </a:ln>
-          </p:spPr>
-          <p:style>
-            <a:lnRef idx="1">
-              <a:schemeClr val="accent1"/>
-            </a:lnRef>
-            <a:fillRef idx="0">
-              <a:schemeClr val="accent1"/>
-            </a:fillRef>
-            <a:effectRef idx="0">
-              <a:schemeClr val="accent1"/>
-            </a:effectRef>
-            <a:fontRef idx="minor">
+            </a:solidFill>
+          </a:ln>
+        </p:spPr>
+        <p:style>
+          <a:lnRef idx="1">
+            <a:schemeClr val="accent1"/>
+          </a:lnRef>
+          <a:fillRef idx="0">
+            <a:schemeClr val="accent1"/>
+          </a:fillRef>
+          <a:effectRef idx="0">
+            <a:schemeClr val="accent1"/>
+          </a:effectRef>
+          <a:fontRef idx="minor">
+            <a:schemeClr val="tx1"/>
+          </a:fontRef>
+        </p:style>
+      </p:cxnSp>
+      <p:cxnSp>
+        <p:nvCxnSpPr>
+          <p:cNvPr id="14" name="Elbow Connector 17">
+            <a:extLst>
+              <a:ext uri="{FF2B5EF4-FFF2-40B4-BE49-F238E27FC236}">
+                <a16:creationId xmlns:a16="http://schemas.microsoft.com/office/drawing/2014/main" id="{4DEA8B5A-37B9-4F84-BBA0-48F5E361D1C6}"/>
+              </a:ext>
+            </a:extLst>
+          </p:cNvPr>
+          <p:cNvCxnSpPr>
+            <a:stCxn id="6" idx="3"/>
+            <a:endCxn id="8" idx="1"/>
+          </p:cNvCxnSpPr>
+          <p:nvPr/>
+        </p:nvCxnSpPr>
+        <p:spPr>
+          <a:xfrm>
+            <a:off x="2914649" y="3137127"/>
+            <a:ext cx="1273043" cy="851739"/>
+          </a:xfrm>
+          <a:prstGeom prst="bentConnector3">
+            <a:avLst/>
+          </a:prstGeom>
+          <a:ln w="19050">
+            <a:solidFill>
               <a:schemeClr val="tx1"/>
-            </a:fontRef>
-          </p:style>
-        </p:cxnSp>
-        <p:cxnSp>
-          <p:nvCxnSpPr>
-            <p:cNvPr id="16" name="Straight Connector 23">
-              <a:extLst>
-                <a:ext uri="{FF2B5EF4-FFF2-40B4-BE49-F238E27FC236}">
-                  <a16:creationId xmlns:a16="http://schemas.microsoft.com/office/drawing/2014/main" id="{453DD8C1-614B-4287-9921-7541FF53C1BD}"/>
-                </a:ext>
-              </a:extLst>
-            </p:cNvPr>
-            <p:cNvCxnSpPr>
-              <a:stCxn id="8" idx="3"/>
-              <a:endCxn id="10" idx="1"/>
-            </p:cNvCxnSpPr>
-            <p:nvPr/>
-          </p:nvCxnSpPr>
-          <p:spPr>
-            <a:xfrm flipV="1">
-              <a:off x="6196635" y="3988865"/>
-              <a:ext cx="945740" cy="1"/>
-            </a:xfrm>
-            <a:prstGeom prst="line">
-              <a:avLst/>
-            </a:prstGeom>
-            <a:ln w="19050">
-              <a:solidFill>
-                <a:schemeClr val="tx1"/>
-              </a:solidFill>
-            </a:ln>
-          </p:spPr>
-          <p:style>
-            <a:lnRef idx="1">
-              <a:schemeClr val="accent1"/>
-            </a:lnRef>
-            <a:fillRef idx="0">
-              <a:schemeClr val="accent1"/>
-            </a:fillRef>
-            <a:effectRef idx="0">
-              <a:schemeClr val="accent1"/>
-            </a:effectRef>
-            <a:fontRef idx="minor">
+            </a:solidFill>
+          </a:ln>
+        </p:spPr>
+        <p:style>
+          <a:lnRef idx="1">
+            <a:schemeClr val="accent1"/>
+          </a:lnRef>
+          <a:fillRef idx="0">
+            <a:schemeClr val="accent1"/>
+          </a:fillRef>
+          <a:effectRef idx="0">
+            <a:schemeClr val="accent1"/>
+          </a:effectRef>
+          <a:fontRef idx="minor">
+            <a:schemeClr val="tx1"/>
+          </a:fontRef>
+        </p:style>
+      </p:cxnSp>
+      <p:cxnSp>
+        <p:nvCxnSpPr>
+          <p:cNvPr id="15" name="Straight Connector 21">
+            <a:extLst>
+              <a:ext uri="{FF2B5EF4-FFF2-40B4-BE49-F238E27FC236}">
+                <a16:creationId xmlns:a16="http://schemas.microsoft.com/office/drawing/2014/main" id="{B497C8F5-EEA9-4AB6-A9FC-2EC42CEB3C11}"/>
+              </a:ext>
+            </a:extLst>
+          </p:cNvPr>
+          <p:cNvCxnSpPr>
+            <a:stCxn id="7" idx="3"/>
+            <a:endCxn id="9" idx="1"/>
+          </p:cNvCxnSpPr>
+          <p:nvPr/>
+        </p:nvCxnSpPr>
+        <p:spPr>
+          <a:xfrm>
+            <a:off x="5619122" y="2441172"/>
+            <a:ext cx="945740" cy="0"/>
+          </a:xfrm>
+          <a:prstGeom prst="line">
+            <a:avLst/>
+          </a:prstGeom>
+          <a:ln w="19050">
+            <a:solidFill>
               <a:schemeClr val="tx1"/>
-            </a:fontRef>
-          </p:style>
-        </p:cxnSp>
-        <p:cxnSp>
-          <p:nvCxnSpPr>
-            <p:cNvPr id="17" name="Elbow Connector 25">
-              <a:extLst>
-                <a:ext uri="{FF2B5EF4-FFF2-40B4-BE49-F238E27FC236}">
-                  <a16:creationId xmlns:a16="http://schemas.microsoft.com/office/drawing/2014/main" id="{2C92D401-A7ED-4F31-91F8-2954079E484A}"/>
-                </a:ext>
-              </a:extLst>
-            </p:cNvPr>
-            <p:cNvCxnSpPr>
-              <a:stCxn id="9" idx="3"/>
-            </p:cNvCxnSpPr>
-            <p:nvPr/>
-          </p:nvCxnSpPr>
-          <p:spPr>
-            <a:xfrm>
-              <a:off x="8239719" y="2441172"/>
-              <a:ext cx="1109745" cy="482463"/>
-            </a:xfrm>
-            <a:prstGeom prst="bentConnector3">
-              <a:avLst/>
-            </a:prstGeom>
-            <a:ln w="19050">
-              <a:solidFill>
-                <a:schemeClr val="tx1"/>
-              </a:solidFill>
-            </a:ln>
-          </p:spPr>
-          <p:style>
-            <a:lnRef idx="1">
-              <a:schemeClr val="accent1"/>
-            </a:lnRef>
-            <a:fillRef idx="0">
-              <a:schemeClr val="accent1"/>
-            </a:fillRef>
-            <a:effectRef idx="0">
-              <a:schemeClr val="accent1"/>
-            </a:effectRef>
-            <a:fontRef idx="minor">
+            </a:solidFill>
+          </a:ln>
+        </p:spPr>
+        <p:style>
+          <a:lnRef idx="1">
+            <a:schemeClr val="accent1"/>
+          </a:lnRef>
+          <a:fillRef idx="0">
+            <a:schemeClr val="accent1"/>
+          </a:fillRef>
+          <a:effectRef idx="0">
+            <a:schemeClr val="accent1"/>
+          </a:effectRef>
+          <a:fontRef idx="minor">
+            <a:schemeClr val="tx1"/>
+          </a:fontRef>
+        </p:style>
+      </p:cxnSp>
+      <p:cxnSp>
+        <p:nvCxnSpPr>
+          <p:cNvPr id="16" name="Straight Connector 23">
+            <a:extLst>
+              <a:ext uri="{FF2B5EF4-FFF2-40B4-BE49-F238E27FC236}">
+                <a16:creationId xmlns:a16="http://schemas.microsoft.com/office/drawing/2014/main" id="{453DD8C1-614B-4287-9921-7541FF53C1BD}"/>
+              </a:ext>
+            </a:extLst>
+          </p:cNvPr>
+          <p:cNvCxnSpPr>
+            <a:stCxn id="8" idx="3"/>
+            <a:endCxn id="10" idx="1"/>
+          </p:cNvCxnSpPr>
+          <p:nvPr/>
+        </p:nvCxnSpPr>
+        <p:spPr>
+          <a:xfrm flipV="1">
+            <a:off x="5619122" y="3988865"/>
+            <a:ext cx="945740" cy="1"/>
+          </a:xfrm>
+          <a:prstGeom prst="line">
+            <a:avLst/>
+          </a:prstGeom>
+          <a:ln w="19050">
+            <a:solidFill>
               <a:schemeClr val="tx1"/>
-            </a:fontRef>
-          </p:style>
-        </p:cxnSp>
-        <p:cxnSp>
-          <p:nvCxnSpPr>
-            <p:cNvPr id="18" name="Elbow Connector 27">
-              <a:extLst>
-                <a:ext uri="{FF2B5EF4-FFF2-40B4-BE49-F238E27FC236}">
-                  <a16:creationId xmlns:a16="http://schemas.microsoft.com/office/drawing/2014/main" id="{2B4D7178-CD45-469A-B0A8-10262158F130}"/>
-                </a:ext>
-              </a:extLst>
-            </p:cNvPr>
-            <p:cNvCxnSpPr>
-              <a:stCxn id="10" idx="3"/>
-            </p:cNvCxnSpPr>
-            <p:nvPr/>
-          </p:nvCxnSpPr>
-          <p:spPr>
-            <a:xfrm flipV="1">
-              <a:off x="8239719" y="3366054"/>
-              <a:ext cx="1109745" cy="622811"/>
-            </a:xfrm>
-            <a:prstGeom prst="bentConnector3">
-              <a:avLst/>
-            </a:prstGeom>
-            <a:ln w="19050">
-              <a:solidFill>
-                <a:schemeClr val="tx1"/>
-              </a:solidFill>
-            </a:ln>
-          </p:spPr>
-          <p:style>
-            <a:lnRef idx="1">
-              <a:schemeClr val="accent1"/>
-            </a:lnRef>
-            <a:fillRef idx="0">
-              <a:schemeClr val="accent1"/>
-            </a:fillRef>
-            <a:effectRef idx="0">
-              <a:schemeClr val="accent1"/>
-            </a:effectRef>
-            <a:fontRef idx="minor">
+            </a:solidFill>
+          </a:ln>
+        </p:spPr>
+        <p:style>
+          <a:lnRef idx="1">
+            <a:schemeClr val="accent1"/>
+          </a:lnRef>
+          <a:fillRef idx="0">
+            <a:schemeClr val="accent1"/>
+          </a:fillRef>
+          <a:effectRef idx="0">
+            <a:schemeClr val="accent1"/>
+          </a:effectRef>
+          <a:fontRef idx="minor">
+            <a:schemeClr val="tx1"/>
+          </a:fontRef>
+        </p:style>
+      </p:cxnSp>
+      <p:cxnSp>
+        <p:nvCxnSpPr>
+          <p:cNvPr id="17" name="Elbow Connector 25">
+            <a:extLst>
+              <a:ext uri="{FF2B5EF4-FFF2-40B4-BE49-F238E27FC236}">
+                <a16:creationId xmlns:a16="http://schemas.microsoft.com/office/drawing/2014/main" id="{2C92D401-A7ED-4F31-91F8-2954079E484A}"/>
+              </a:ext>
+            </a:extLst>
+          </p:cNvPr>
+          <p:cNvCxnSpPr>
+            <a:stCxn id="9" idx="3"/>
+          </p:cNvCxnSpPr>
+          <p:nvPr/>
+        </p:nvCxnSpPr>
+        <p:spPr>
+          <a:xfrm>
+            <a:off x="7662206" y="2441172"/>
+            <a:ext cx="1109745" cy="482463"/>
+          </a:xfrm>
+          <a:prstGeom prst="bentConnector3">
+            <a:avLst/>
+          </a:prstGeom>
+          <a:ln w="19050">
+            <a:solidFill>
               <a:schemeClr val="tx1"/>
-            </a:fontRef>
-          </p:style>
-        </p:cxnSp>
-        <p:sp>
-          <p:nvSpPr>
-            <p:cNvPr id="19" name="TextBox 30">
-              <a:extLst>
-                <a:ext uri="{FF2B5EF4-FFF2-40B4-BE49-F238E27FC236}">
-                  <a16:creationId xmlns:a16="http://schemas.microsoft.com/office/drawing/2014/main" id="{8DFF30EE-F1DD-4588-94FA-C85487324B30}"/>
-                </a:ext>
-              </a:extLst>
-            </p:cNvPr>
-            <p:cNvSpPr txBox="1"/>
-            <p:nvPr/>
-          </p:nvSpPr>
-          <p:spPr>
-            <a:xfrm>
-              <a:off x="2653659" y="2278304"/>
-              <a:ext cx="448063" cy="371505"/>
-            </a:xfrm>
-            <a:prstGeom prst="rect">
-              <a:avLst/>
-            </a:prstGeom>
-            <a:noFill/>
-          </p:spPr>
-          <p:txBody>
-            <a:bodyPr wrap="square" rtlCol="0">
-              <a:spAutoFit/>
-            </a:bodyPr>
-            <a:lstStyle/>
-            <a:p>
-              <a:pPr algn="ctr"/>
-              <a:r>
-                <a:rPr lang="pt-PT" b="1" dirty="0"/>
-                <a:t>B2</a:t>
-              </a:r>
-            </a:p>
-          </p:txBody>
-        </p:sp>
-        <p:sp>
-          <p:nvSpPr>
-            <p:cNvPr id="20" name="TextBox 31">
-              <a:extLst>
-                <a:ext uri="{FF2B5EF4-FFF2-40B4-BE49-F238E27FC236}">
-                  <a16:creationId xmlns:a16="http://schemas.microsoft.com/office/drawing/2014/main" id="{F3377805-4B30-423C-AE22-9D8E1204163F}"/>
-                </a:ext>
-              </a:extLst>
-            </p:cNvPr>
-            <p:cNvSpPr txBox="1"/>
-            <p:nvPr/>
-          </p:nvSpPr>
-          <p:spPr>
-            <a:xfrm>
-              <a:off x="730629" y="2310329"/>
-              <a:ext cx="448063" cy="371505"/>
-            </a:xfrm>
-            <a:prstGeom prst="rect">
-              <a:avLst/>
-            </a:prstGeom>
-            <a:noFill/>
-          </p:spPr>
-          <p:txBody>
-            <a:bodyPr wrap="square" rtlCol="0">
-              <a:spAutoFit/>
-            </a:bodyPr>
-            <a:lstStyle/>
-            <a:p>
-              <a:pPr algn="ctr"/>
-              <a:r>
-                <a:rPr lang="pt-PT" b="1" dirty="0"/>
-                <a:t>B1</a:t>
-              </a:r>
-            </a:p>
-          </p:txBody>
-        </p:sp>
-        <p:sp>
-          <p:nvSpPr>
-            <p:cNvPr id="21" name="TextBox 32">
-              <a:extLst>
-                <a:ext uri="{FF2B5EF4-FFF2-40B4-BE49-F238E27FC236}">
-                  <a16:creationId xmlns:a16="http://schemas.microsoft.com/office/drawing/2014/main" id="{D18FA953-E164-4750-8CDF-C630EFFE7288}"/>
-                </a:ext>
-              </a:extLst>
-            </p:cNvPr>
-            <p:cNvSpPr txBox="1"/>
-            <p:nvPr/>
-          </p:nvSpPr>
-          <p:spPr>
-            <a:xfrm>
-              <a:off x="9729509" y="2310328"/>
-              <a:ext cx="448063" cy="371505"/>
-            </a:xfrm>
-            <a:prstGeom prst="rect">
-              <a:avLst/>
-            </a:prstGeom>
-            <a:noFill/>
-          </p:spPr>
-          <p:txBody>
-            <a:bodyPr wrap="square" rtlCol="0">
-              <a:spAutoFit/>
-            </a:bodyPr>
-            <a:lstStyle/>
-            <a:p>
-              <a:pPr algn="ctr"/>
-              <a:r>
-                <a:rPr lang="pt-PT" b="1" dirty="0"/>
-                <a:t>B7</a:t>
-              </a:r>
-            </a:p>
-          </p:txBody>
-        </p:sp>
-        <p:sp>
-          <p:nvSpPr>
-            <p:cNvPr id="22" name="TextBox 33">
-              <a:extLst>
-                <a:ext uri="{FF2B5EF4-FFF2-40B4-BE49-F238E27FC236}">
-                  <a16:creationId xmlns:a16="http://schemas.microsoft.com/office/drawing/2014/main" id="{E23121A8-D10E-4357-B5A0-4085030181DC}"/>
-                </a:ext>
-              </a:extLst>
-            </p:cNvPr>
-            <p:cNvSpPr txBox="1"/>
-            <p:nvPr/>
-          </p:nvSpPr>
-          <p:spPr>
-            <a:xfrm>
-              <a:off x="7469678" y="1643874"/>
-              <a:ext cx="448063" cy="371505"/>
-            </a:xfrm>
-            <a:prstGeom prst="rect">
-              <a:avLst/>
-            </a:prstGeom>
-            <a:noFill/>
-          </p:spPr>
-          <p:txBody>
-            <a:bodyPr wrap="square" rtlCol="0">
-              <a:spAutoFit/>
-            </a:bodyPr>
-            <a:lstStyle/>
-            <a:p>
-              <a:pPr algn="ctr"/>
-              <a:r>
-                <a:rPr lang="pt-PT" b="1" dirty="0"/>
-                <a:t>B5</a:t>
-              </a:r>
-            </a:p>
-          </p:txBody>
-        </p:sp>
-        <p:sp>
-          <p:nvSpPr>
-            <p:cNvPr id="23" name="TextBox 34">
-              <a:extLst>
-                <a:ext uri="{FF2B5EF4-FFF2-40B4-BE49-F238E27FC236}">
-                  <a16:creationId xmlns:a16="http://schemas.microsoft.com/office/drawing/2014/main" id="{7AF6F8C9-0743-414F-9FCF-325C94F60F88}"/>
-                </a:ext>
-              </a:extLst>
-            </p:cNvPr>
-            <p:cNvSpPr txBox="1"/>
-            <p:nvPr/>
-          </p:nvSpPr>
-          <p:spPr>
-            <a:xfrm>
-              <a:off x="5256887" y="4485741"/>
-              <a:ext cx="448063" cy="371505"/>
-            </a:xfrm>
-            <a:prstGeom prst="rect">
-              <a:avLst/>
-            </a:prstGeom>
-            <a:noFill/>
-          </p:spPr>
-          <p:txBody>
-            <a:bodyPr wrap="square" rtlCol="0">
-              <a:spAutoFit/>
-            </a:bodyPr>
-            <a:lstStyle/>
-            <a:p>
-              <a:pPr algn="ctr"/>
-              <a:r>
-                <a:rPr lang="pt-PT" b="1" dirty="0"/>
-                <a:t>B4</a:t>
-              </a:r>
-            </a:p>
-          </p:txBody>
-        </p:sp>
-        <p:sp>
-          <p:nvSpPr>
-            <p:cNvPr id="24" name="TextBox 35">
-              <a:extLst>
-                <a:ext uri="{FF2B5EF4-FFF2-40B4-BE49-F238E27FC236}">
-                  <a16:creationId xmlns:a16="http://schemas.microsoft.com/office/drawing/2014/main" id="{120A1241-AAD6-4A98-B6DE-9397886224E0}"/>
-                </a:ext>
-              </a:extLst>
-            </p:cNvPr>
-            <p:cNvSpPr txBox="1"/>
-            <p:nvPr/>
-          </p:nvSpPr>
-          <p:spPr>
-            <a:xfrm>
-              <a:off x="7405569" y="4414658"/>
-              <a:ext cx="570955" cy="369332"/>
-            </a:xfrm>
-            <a:prstGeom prst="rect">
-              <a:avLst/>
-            </a:prstGeom>
-            <a:noFill/>
-          </p:spPr>
-          <p:txBody>
-            <a:bodyPr wrap="square" rtlCol="0">
-              <a:spAutoFit/>
-            </a:bodyPr>
-            <a:lstStyle/>
-            <a:p>
-              <a:pPr algn="ctr"/>
-              <a:r>
-                <a:rPr lang="pt-PT" b="1" dirty="0"/>
-                <a:t>B6</a:t>
-              </a:r>
-            </a:p>
-          </p:txBody>
-        </p:sp>
-        <p:sp>
-          <p:nvSpPr>
-            <p:cNvPr id="25" name="TextBox 36">
-              <a:extLst>
-                <a:ext uri="{FF2B5EF4-FFF2-40B4-BE49-F238E27FC236}">
-                  <a16:creationId xmlns:a16="http://schemas.microsoft.com/office/drawing/2014/main" id="{1F61F831-448E-44AE-8566-C01EF4735BE2}"/>
-                </a:ext>
-              </a:extLst>
-            </p:cNvPr>
-            <p:cNvSpPr txBox="1"/>
-            <p:nvPr/>
-          </p:nvSpPr>
-          <p:spPr>
-            <a:xfrm>
-              <a:off x="5256888" y="1515576"/>
-              <a:ext cx="448063" cy="371505"/>
-            </a:xfrm>
-            <a:prstGeom prst="rect">
-              <a:avLst/>
-            </a:prstGeom>
-            <a:noFill/>
-          </p:spPr>
-          <p:txBody>
-            <a:bodyPr wrap="square" rtlCol="0">
-              <a:spAutoFit/>
-            </a:bodyPr>
-            <a:lstStyle/>
-            <a:p>
-              <a:pPr algn="ctr"/>
-              <a:r>
-                <a:rPr lang="pt-PT" b="1" dirty="0"/>
-                <a:t>B3</a:t>
-              </a:r>
-            </a:p>
-          </p:txBody>
-        </p:sp>
-        <p:sp>
-          <p:nvSpPr>
-            <p:cNvPr id="26" name="TextBox 67">
-              <a:extLst>
-                <a:ext uri="{FF2B5EF4-FFF2-40B4-BE49-F238E27FC236}">
-                  <a16:creationId xmlns:a16="http://schemas.microsoft.com/office/drawing/2014/main" id="{933F5C5F-D579-4154-BD2D-B39045419F34}"/>
-                </a:ext>
-              </a:extLst>
-            </p:cNvPr>
-            <p:cNvSpPr txBox="1"/>
-            <p:nvPr/>
-          </p:nvSpPr>
-          <p:spPr>
-            <a:xfrm>
-              <a:off x="1182417" y="2789149"/>
-              <a:ext cx="1105064" cy="369332"/>
-            </a:xfrm>
-            <a:prstGeom prst="rect">
-              <a:avLst/>
-            </a:prstGeom>
-            <a:noFill/>
-          </p:spPr>
-          <p:txBody>
-            <a:bodyPr wrap="square" rtlCol="0">
-              <a:spAutoFit/>
-            </a:bodyPr>
-            <a:lstStyle/>
-            <a:p>
-              <a:pPr algn="ctr"/>
-              <a:r>
-                <a:rPr lang="pt-PT" dirty="0"/>
-                <a:t>MQAM1</a:t>
-              </a:r>
-            </a:p>
-          </p:txBody>
-        </p:sp>
-        <p:sp>
-          <p:nvSpPr>
-            <p:cNvPr id="27" name="TextBox 68">
-              <a:extLst>
-                <a:ext uri="{FF2B5EF4-FFF2-40B4-BE49-F238E27FC236}">
-                  <a16:creationId xmlns:a16="http://schemas.microsoft.com/office/drawing/2014/main" id="{D920F69C-80FD-4C72-9BB7-428A7ACDDFDF}"/>
-                </a:ext>
-              </a:extLst>
-            </p:cNvPr>
-            <p:cNvSpPr txBox="1"/>
-            <p:nvPr/>
-          </p:nvSpPr>
-          <p:spPr>
-            <a:xfrm>
-              <a:off x="3765659" y="2074236"/>
-              <a:ext cx="1017932" cy="369332"/>
-            </a:xfrm>
-            <a:prstGeom prst="rect">
-              <a:avLst/>
-            </a:prstGeom>
-            <a:noFill/>
-          </p:spPr>
-          <p:txBody>
-            <a:bodyPr wrap="square" rtlCol="0">
-              <a:spAutoFit/>
-            </a:bodyPr>
-            <a:lstStyle/>
-            <a:p>
-              <a:pPr algn="ctr"/>
-              <a:r>
-                <a:rPr lang="pt-PT" dirty="0"/>
-                <a:t>MQAM2</a:t>
-              </a:r>
-            </a:p>
-          </p:txBody>
-        </p:sp>
-        <p:sp>
-          <p:nvSpPr>
-            <p:cNvPr id="28" name="TextBox 69">
-              <a:extLst>
-                <a:ext uri="{FF2B5EF4-FFF2-40B4-BE49-F238E27FC236}">
-                  <a16:creationId xmlns:a16="http://schemas.microsoft.com/office/drawing/2014/main" id="{4B0C1455-74F2-4396-9502-785D2AA048D9}"/>
-                </a:ext>
-              </a:extLst>
-            </p:cNvPr>
-            <p:cNvSpPr txBox="1"/>
-            <p:nvPr/>
-          </p:nvSpPr>
-          <p:spPr>
-            <a:xfrm>
-              <a:off x="3728328" y="4002078"/>
-              <a:ext cx="1026594" cy="369332"/>
-            </a:xfrm>
-            <a:prstGeom prst="rect">
-              <a:avLst/>
-            </a:prstGeom>
-            <a:noFill/>
-          </p:spPr>
-          <p:txBody>
-            <a:bodyPr wrap="square" rtlCol="0">
-              <a:spAutoFit/>
-            </a:bodyPr>
-            <a:lstStyle/>
-            <a:p>
-              <a:pPr algn="ctr"/>
-              <a:r>
-                <a:rPr lang="pt-PT" dirty="0"/>
-                <a:t>MQAM3</a:t>
-              </a:r>
-            </a:p>
-          </p:txBody>
-        </p:sp>
-        <p:sp>
-          <p:nvSpPr>
-            <p:cNvPr id="29" name="TextBox 70">
-              <a:extLst>
-                <a:ext uri="{FF2B5EF4-FFF2-40B4-BE49-F238E27FC236}">
-                  <a16:creationId xmlns:a16="http://schemas.microsoft.com/office/drawing/2014/main" id="{8E1DD973-7F0C-41DD-A1D5-36C2B99E1301}"/>
-                </a:ext>
-              </a:extLst>
-            </p:cNvPr>
-            <p:cNvSpPr txBox="1"/>
-            <p:nvPr/>
-          </p:nvSpPr>
-          <p:spPr>
-            <a:xfrm>
-              <a:off x="6171027" y="2071842"/>
-              <a:ext cx="1000290" cy="369332"/>
-            </a:xfrm>
-            <a:prstGeom prst="rect">
-              <a:avLst/>
-            </a:prstGeom>
-            <a:noFill/>
-          </p:spPr>
-          <p:txBody>
-            <a:bodyPr wrap="square" rtlCol="0">
-              <a:spAutoFit/>
-            </a:bodyPr>
-            <a:lstStyle/>
-            <a:p>
-              <a:pPr algn="ctr"/>
-              <a:r>
-                <a:rPr lang="pt-PT" dirty="0"/>
-                <a:t>MQAM4</a:t>
-              </a:r>
-            </a:p>
-          </p:txBody>
-        </p:sp>
-        <p:sp>
-          <p:nvSpPr>
-            <p:cNvPr id="30" name="TextBox 71">
-              <a:extLst>
-                <a:ext uri="{FF2B5EF4-FFF2-40B4-BE49-F238E27FC236}">
-                  <a16:creationId xmlns:a16="http://schemas.microsoft.com/office/drawing/2014/main" id="{1497ED08-22EB-4FA9-8537-A6553964E231}"/>
-                </a:ext>
-              </a:extLst>
-            </p:cNvPr>
-            <p:cNvSpPr txBox="1"/>
-            <p:nvPr/>
-          </p:nvSpPr>
-          <p:spPr>
-            <a:xfrm>
-              <a:off x="6171027" y="4002078"/>
-              <a:ext cx="1018222" cy="369332"/>
-            </a:xfrm>
-            <a:prstGeom prst="rect">
-              <a:avLst/>
-            </a:prstGeom>
-            <a:noFill/>
-          </p:spPr>
-          <p:txBody>
-            <a:bodyPr wrap="square" rtlCol="0">
-              <a:spAutoFit/>
-            </a:bodyPr>
-            <a:lstStyle/>
-            <a:p>
-              <a:pPr algn="ctr"/>
-              <a:r>
-                <a:rPr lang="pt-PT" dirty="0"/>
-                <a:t>MQAM5</a:t>
-              </a:r>
-            </a:p>
-          </p:txBody>
-        </p:sp>
-        <p:sp>
-          <p:nvSpPr>
-            <p:cNvPr id="31" name="TextBox 72">
-              <a:extLst>
-                <a:ext uri="{FF2B5EF4-FFF2-40B4-BE49-F238E27FC236}">
-                  <a16:creationId xmlns:a16="http://schemas.microsoft.com/office/drawing/2014/main" id="{C5CF2A92-2560-45A1-97CE-7CD79C6B8138}"/>
-                </a:ext>
-              </a:extLst>
-            </p:cNvPr>
-            <p:cNvSpPr txBox="1"/>
-            <p:nvPr/>
-          </p:nvSpPr>
-          <p:spPr>
-            <a:xfrm>
-              <a:off x="8239719" y="2060103"/>
-              <a:ext cx="1060572" cy="369332"/>
-            </a:xfrm>
-            <a:prstGeom prst="rect">
-              <a:avLst/>
-            </a:prstGeom>
-            <a:noFill/>
-          </p:spPr>
-          <p:txBody>
-            <a:bodyPr wrap="square" rtlCol="0">
-              <a:spAutoFit/>
-            </a:bodyPr>
-            <a:lstStyle/>
-            <a:p>
-              <a:pPr algn="ctr"/>
-              <a:r>
-                <a:rPr lang="pt-PT" dirty="0"/>
-                <a:t>MQAM6</a:t>
-              </a:r>
-            </a:p>
-          </p:txBody>
-        </p:sp>
-        <p:sp>
-          <p:nvSpPr>
-            <p:cNvPr id="32" name="TextBox 73">
-              <a:extLst>
-                <a:ext uri="{FF2B5EF4-FFF2-40B4-BE49-F238E27FC236}">
-                  <a16:creationId xmlns:a16="http://schemas.microsoft.com/office/drawing/2014/main" id="{9B424488-0BAA-44EA-899F-BA64B9D90A64}"/>
-                </a:ext>
-              </a:extLst>
-            </p:cNvPr>
-            <p:cNvSpPr txBox="1"/>
-            <p:nvPr/>
-          </p:nvSpPr>
-          <p:spPr>
-            <a:xfrm>
-              <a:off x="8208533" y="3988865"/>
-              <a:ext cx="1023800" cy="369332"/>
-            </a:xfrm>
-            <a:prstGeom prst="rect">
-              <a:avLst/>
-            </a:prstGeom>
-            <a:noFill/>
-          </p:spPr>
-          <p:txBody>
-            <a:bodyPr wrap="square" rtlCol="0">
-              <a:spAutoFit/>
-            </a:bodyPr>
-            <a:lstStyle/>
-            <a:p>
-              <a:pPr algn="ctr"/>
-              <a:r>
-                <a:rPr lang="pt-PT" dirty="0"/>
-                <a:t>MQAM7</a:t>
-              </a:r>
-            </a:p>
-          </p:txBody>
-        </p:sp>
-        <p:sp>
-          <p:nvSpPr>
-            <p:cNvPr id="33" name="TextBox 74">
-              <a:extLst>
-                <a:ext uri="{FF2B5EF4-FFF2-40B4-BE49-F238E27FC236}">
-                  <a16:creationId xmlns:a16="http://schemas.microsoft.com/office/drawing/2014/main" id="{3DFDF839-87D6-4177-B615-018DC0021600}"/>
-                </a:ext>
-              </a:extLst>
-            </p:cNvPr>
-            <p:cNvSpPr txBox="1"/>
-            <p:nvPr/>
-          </p:nvSpPr>
-          <p:spPr>
-            <a:xfrm>
-              <a:off x="10544215" y="2777018"/>
-              <a:ext cx="1109744" cy="369332"/>
-            </a:xfrm>
-            <a:prstGeom prst="rect">
-              <a:avLst/>
-            </a:prstGeom>
-            <a:noFill/>
-          </p:spPr>
-          <p:txBody>
-            <a:bodyPr wrap="square" rtlCol="0">
-              <a:spAutoFit/>
-            </a:bodyPr>
-            <a:lstStyle/>
-            <a:p>
-              <a:pPr algn="ctr"/>
-              <a:r>
-                <a:rPr lang="pt-PT" dirty="0"/>
-                <a:t>MQAM8</a:t>
-              </a:r>
-            </a:p>
-          </p:txBody>
-        </p:sp>
-        <p:cxnSp>
-          <p:nvCxnSpPr>
-            <p:cNvPr id="34" name="Conexão reta unidirecional 33">
-              <a:extLst>
-                <a:ext uri="{FF2B5EF4-FFF2-40B4-BE49-F238E27FC236}">
-                  <a16:creationId xmlns:a16="http://schemas.microsoft.com/office/drawing/2014/main" id="{1101D689-3B96-4A2B-B7D4-347BE5558A2C}"/>
-                </a:ext>
-              </a:extLst>
-            </p:cNvPr>
-            <p:cNvCxnSpPr>
-              <a:cxnSpLocks/>
-              <a:stCxn id="5" idx="2"/>
-              <a:endCxn id="36" idx="0"/>
-            </p:cNvCxnSpPr>
-            <p:nvPr/>
-          </p:nvCxnSpPr>
-          <p:spPr>
-            <a:xfrm>
-              <a:off x="642505" y="3529933"/>
-              <a:ext cx="0" cy="818394"/>
-            </a:xfrm>
-            <a:prstGeom prst="straightConnector1">
-              <a:avLst/>
-            </a:prstGeom>
-            <a:ln w="19050">
-              <a:solidFill>
-                <a:schemeClr val="tx1"/>
-              </a:solidFill>
-              <a:tailEnd type="triangle"/>
-            </a:ln>
-          </p:spPr>
-          <p:style>
-            <a:lnRef idx="1">
-              <a:schemeClr val="accent1"/>
-            </a:lnRef>
-            <a:fillRef idx="0">
-              <a:schemeClr val="accent1"/>
-            </a:fillRef>
-            <a:effectRef idx="0">
-              <a:schemeClr val="accent1"/>
-            </a:effectRef>
-            <a:fontRef idx="minor">
+            </a:solidFill>
+          </a:ln>
+        </p:spPr>
+        <p:style>
+          <a:lnRef idx="1">
+            <a:schemeClr val="accent1"/>
+          </a:lnRef>
+          <a:fillRef idx="0">
+            <a:schemeClr val="accent1"/>
+          </a:fillRef>
+          <a:effectRef idx="0">
+            <a:schemeClr val="accent1"/>
+          </a:effectRef>
+          <a:fontRef idx="minor">
+            <a:schemeClr val="tx1"/>
+          </a:fontRef>
+        </p:style>
+      </p:cxnSp>
+      <p:cxnSp>
+        <p:nvCxnSpPr>
+          <p:cNvPr id="18" name="Elbow Connector 27">
+            <a:extLst>
+              <a:ext uri="{FF2B5EF4-FFF2-40B4-BE49-F238E27FC236}">
+                <a16:creationId xmlns:a16="http://schemas.microsoft.com/office/drawing/2014/main" id="{2B4D7178-CD45-469A-B0A8-10262158F130}"/>
+              </a:ext>
+            </a:extLst>
+          </p:cNvPr>
+          <p:cNvCxnSpPr>
+            <a:stCxn id="10" idx="3"/>
+          </p:cNvCxnSpPr>
+          <p:nvPr/>
+        </p:nvCxnSpPr>
+        <p:spPr>
+          <a:xfrm flipV="1">
+            <a:off x="7662206" y="3366054"/>
+            <a:ext cx="1109745" cy="622811"/>
+          </a:xfrm>
+          <a:prstGeom prst="bentConnector3">
+            <a:avLst/>
+          </a:prstGeom>
+          <a:ln w="19050">
+            <a:solidFill>
               <a:schemeClr val="tx1"/>
-            </a:fontRef>
-          </p:style>
-        </p:cxnSp>
-        <p:cxnSp>
-          <p:nvCxnSpPr>
-            <p:cNvPr id="35" name="Conexão reta unidirecional 34">
-              <a:extLst>
-                <a:ext uri="{FF2B5EF4-FFF2-40B4-BE49-F238E27FC236}">
-                  <a16:creationId xmlns:a16="http://schemas.microsoft.com/office/drawing/2014/main" id="{3D51E70C-8234-4F0F-B5E6-CB4C1021E579}"/>
-                </a:ext>
-              </a:extLst>
-            </p:cNvPr>
-            <p:cNvCxnSpPr>
-              <a:stCxn id="11" idx="3"/>
-            </p:cNvCxnSpPr>
-            <p:nvPr/>
-          </p:nvCxnSpPr>
-          <p:spPr>
-            <a:xfrm>
-              <a:off x="10557619" y="3137127"/>
-              <a:ext cx="824745" cy="0"/>
-            </a:xfrm>
-            <a:prstGeom prst="straightConnector1">
-              <a:avLst/>
-            </a:prstGeom>
-            <a:ln w="19050">
-              <a:solidFill>
-                <a:schemeClr val="tx1"/>
-              </a:solidFill>
-              <a:tailEnd type="triangle"/>
-            </a:ln>
-          </p:spPr>
-          <p:style>
-            <a:lnRef idx="1">
-              <a:schemeClr val="accent1"/>
-            </a:lnRef>
-            <a:fillRef idx="0">
-              <a:schemeClr val="accent1"/>
-            </a:fillRef>
-            <a:effectRef idx="0">
-              <a:schemeClr val="accent1"/>
-            </a:effectRef>
-            <a:fontRef idx="minor">
+            </a:solidFill>
+          </a:ln>
+        </p:spPr>
+        <p:style>
+          <a:lnRef idx="1">
+            <a:schemeClr val="accent1"/>
+          </a:lnRef>
+          <a:fillRef idx="0">
+            <a:schemeClr val="accent1"/>
+          </a:fillRef>
+          <a:effectRef idx="0">
+            <a:schemeClr val="accent1"/>
+          </a:effectRef>
+          <a:fontRef idx="minor">
+            <a:schemeClr val="tx1"/>
+          </a:fontRef>
+        </p:style>
+      </p:cxnSp>
+      <p:sp>
+        <p:nvSpPr>
+          <p:cNvPr id="19" name="TextBox 30">
+            <a:extLst>
+              <a:ext uri="{FF2B5EF4-FFF2-40B4-BE49-F238E27FC236}">
+                <a16:creationId xmlns:a16="http://schemas.microsoft.com/office/drawing/2014/main" id="{8DFF30EE-F1DD-4588-94FA-C85487324B30}"/>
+              </a:ext>
+            </a:extLst>
+          </p:cNvPr>
+          <p:cNvSpPr txBox="1"/>
+          <p:nvPr/>
+        </p:nvSpPr>
+        <p:spPr>
+          <a:xfrm>
+            <a:off x="2076146" y="2278304"/>
+            <a:ext cx="448063" cy="371505"/>
+          </a:xfrm>
+          <a:prstGeom prst="rect">
+            <a:avLst/>
+          </a:prstGeom>
+          <a:noFill/>
+        </p:spPr>
+        <p:txBody>
+          <a:bodyPr wrap="square" rtlCol="0">
+            <a:spAutoFit/>
+          </a:bodyPr>
+          <a:lstStyle/>
+          <a:p>
+            <a:pPr algn="ctr"/>
+            <a:r>
+              <a:rPr lang="pt-PT" b="1" dirty="0"/>
+              <a:t>B1</a:t>
+            </a:r>
+          </a:p>
+        </p:txBody>
+      </p:sp>
+      <p:sp>
+        <p:nvSpPr>
+          <p:cNvPr id="21" name="TextBox 32">
+            <a:extLst>
+              <a:ext uri="{FF2B5EF4-FFF2-40B4-BE49-F238E27FC236}">
+                <a16:creationId xmlns:a16="http://schemas.microsoft.com/office/drawing/2014/main" id="{D18FA953-E164-4750-8CDF-C630EFFE7288}"/>
+              </a:ext>
+            </a:extLst>
+          </p:cNvPr>
+          <p:cNvSpPr txBox="1"/>
+          <p:nvPr/>
+        </p:nvSpPr>
+        <p:spPr>
+          <a:xfrm>
+            <a:off x="9151996" y="2310328"/>
+            <a:ext cx="448063" cy="371505"/>
+          </a:xfrm>
+          <a:prstGeom prst="rect">
+            <a:avLst/>
+          </a:prstGeom>
+          <a:noFill/>
+        </p:spPr>
+        <p:txBody>
+          <a:bodyPr wrap="square" rtlCol="0">
+            <a:spAutoFit/>
+          </a:bodyPr>
+          <a:lstStyle/>
+          <a:p>
+            <a:pPr algn="ctr"/>
+            <a:r>
+              <a:rPr lang="pt-PT" b="1" dirty="0"/>
+              <a:t>B6</a:t>
+            </a:r>
+          </a:p>
+        </p:txBody>
+      </p:sp>
+      <p:sp>
+        <p:nvSpPr>
+          <p:cNvPr id="22" name="TextBox 33">
+            <a:extLst>
+              <a:ext uri="{FF2B5EF4-FFF2-40B4-BE49-F238E27FC236}">
+                <a16:creationId xmlns:a16="http://schemas.microsoft.com/office/drawing/2014/main" id="{E23121A8-D10E-4357-B5A0-4085030181DC}"/>
+              </a:ext>
+            </a:extLst>
+          </p:cNvPr>
+          <p:cNvSpPr txBox="1"/>
+          <p:nvPr/>
+        </p:nvSpPr>
+        <p:spPr>
+          <a:xfrm>
+            <a:off x="6892165" y="1643874"/>
+            <a:ext cx="448063" cy="371505"/>
+          </a:xfrm>
+          <a:prstGeom prst="rect">
+            <a:avLst/>
+          </a:prstGeom>
+          <a:noFill/>
+        </p:spPr>
+        <p:txBody>
+          <a:bodyPr wrap="square" rtlCol="0">
+            <a:spAutoFit/>
+          </a:bodyPr>
+          <a:lstStyle/>
+          <a:p>
+            <a:pPr algn="ctr"/>
+            <a:r>
+              <a:rPr lang="pt-PT" b="1" dirty="0"/>
+              <a:t>B4</a:t>
+            </a:r>
+          </a:p>
+        </p:txBody>
+      </p:sp>
+      <p:sp>
+        <p:nvSpPr>
+          <p:cNvPr id="23" name="TextBox 34">
+            <a:extLst>
+              <a:ext uri="{FF2B5EF4-FFF2-40B4-BE49-F238E27FC236}">
+                <a16:creationId xmlns:a16="http://schemas.microsoft.com/office/drawing/2014/main" id="{7AF6F8C9-0743-414F-9FCF-325C94F60F88}"/>
+              </a:ext>
+            </a:extLst>
+          </p:cNvPr>
+          <p:cNvSpPr txBox="1"/>
+          <p:nvPr/>
+        </p:nvSpPr>
+        <p:spPr>
+          <a:xfrm>
+            <a:off x="4679374" y="4485741"/>
+            <a:ext cx="448063" cy="371505"/>
+          </a:xfrm>
+          <a:prstGeom prst="rect">
+            <a:avLst/>
+          </a:prstGeom>
+          <a:noFill/>
+        </p:spPr>
+        <p:txBody>
+          <a:bodyPr wrap="square" rtlCol="0">
+            <a:spAutoFit/>
+          </a:bodyPr>
+          <a:lstStyle/>
+          <a:p>
+            <a:pPr algn="ctr"/>
+            <a:r>
+              <a:rPr lang="pt-PT" b="1" dirty="0"/>
+              <a:t>B3</a:t>
+            </a:r>
+          </a:p>
+        </p:txBody>
+      </p:sp>
+      <p:sp>
+        <p:nvSpPr>
+          <p:cNvPr id="24" name="TextBox 35">
+            <a:extLst>
+              <a:ext uri="{FF2B5EF4-FFF2-40B4-BE49-F238E27FC236}">
+                <a16:creationId xmlns:a16="http://schemas.microsoft.com/office/drawing/2014/main" id="{120A1241-AAD6-4A98-B6DE-9397886224E0}"/>
+              </a:ext>
+            </a:extLst>
+          </p:cNvPr>
+          <p:cNvSpPr txBox="1"/>
+          <p:nvPr/>
+        </p:nvSpPr>
+        <p:spPr>
+          <a:xfrm>
+            <a:off x="6828056" y="4414658"/>
+            <a:ext cx="570955" cy="369332"/>
+          </a:xfrm>
+          <a:prstGeom prst="rect">
+            <a:avLst/>
+          </a:prstGeom>
+          <a:noFill/>
+        </p:spPr>
+        <p:txBody>
+          <a:bodyPr wrap="square" rtlCol="0">
+            <a:spAutoFit/>
+          </a:bodyPr>
+          <a:lstStyle/>
+          <a:p>
+            <a:pPr algn="ctr"/>
+            <a:r>
+              <a:rPr lang="pt-PT" b="1" dirty="0"/>
+              <a:t>B5</a:t>
+            </a:r>
+          </a:p>
+        </p:txBody>
+      </p:sp>
+      <p:sp>
+        <p:nvSpPr>
+          <p:cNvPr id="25" name="TextBox 36">
+            <a:extLst>
+              <a:ext uri="{FF2B5EF4-FFF2-40B4-BE49-F238E27FC236}">
+                <a16:creationId xmlns:a16="http://schemas.microsoft.com/office/drawing/2014/main" id="{1F61F831-448E-44AE-8566-C01EF4735BE2}"/>
+              </a:ext>
+            </a:extLst>
+          </p:cNvPr>
+          <p:cNvSpPr txBox="1"/>
+          <p:nvPr/>
+        </p:nvSpPr>
+        <p:spPr>
+          <a:xfrm>
+            <a:off x="4679375" y="1515576"/>
+            <a:ext cx="448063" cy="371505"/>
+          </a:xfrm>
+          <a:prstGeom prst="rect">
+            <a:avLst/>
+          </a:prstGeom>
+          <a:noFill/>
+        </p:spPr>
+        <p:txBody>
+          <a:bodyPr wrap="square" rtlCol="0">
+            <a:spAutoFit/>
+          </a:bodyPr>
+          <a:lstStyle/>
+          <a:p>
+            <a:pPr algn="ctr"/>
+            <a:r>
+              <a:rPr lang="pt-PT" b="1" dirty="0"/>
+              <a:t>B2</a:t>
+            </a:r>
+          </a:p>
+        </p:txBody>
+      </p:sp>
+      <p:sp>
+        <p:nvSpPr>
+          <p:cNvPr id="26" name="TextBox 67">
+            <a:extLst>
+              <a:ext uri="{FF2B5EF4-FFF2-40B4-BE49-F238E27FC236}">
+                <a16:creationId xmlns:a16="http://schemas.microsoft.com/office/drawing/2014/main" id="{933F5C5F-D579-4154-BD2D-B39045419F34}"/>
+              </a:ext>
+            </a:extLst>
+          </p:cNvPr>
+          <p:cNvSpPr txBox="1"/>
+          <p:nvPr/>
+        </p:nvSpPr>
+        <p:spPr>
+          <a:xfrm>
+            <a:off x="2979537" y="2071840"/>
+            <a:ext cx="1105064" cy="369332"/>
+          </a:xfrm>
+          <a:prstGeom prst="rect">
+            <a:avLst/>
+          </a:prstGeom>
+          <a:noFill/>
+        </p:spPr>
+        <p:txBody>
+          <a:bodyPr wrap="square" rtlCol="0">
+            <a:spAutoFit/>
+          </a:bodyPr>
+          <a:lstStyle/>
+          <a:p>
+            <a:pPr algn="ctr"/>
+            <a:r>
+              <a:rPr lang="pt-PT" dirty="0"/>
+              <a:t>MQAM1</a:t>
+            </a:r>
+          </a:p>
+        </p:txBody>
+      </p:sp>
+      <p:sp>
+        <p:nvSpPr>
+          <p:cNvPr id="27" name="TextBox 68">
+            <a:extLst>
+              <a:ext uri="{FF2B5EF4-FFF2-40B4-BE49-F238E27FC236}">
+                <a16:creationId xmlns:a16="http://schemas.microsoft.com/office/drawing/2014/main" id="{D920F69C-80FD-4C72-9BB7-428A7ACDDFDF}"/>
+              </a:ext>
+            </a:extLst>
+          </p:cNvPr>
+          <p:cNvSpPr txBox="1"/>
+          <p:nvPr/>
+        </p:nvSpPr>
+        <p:spPr>
+          <a:xfrm>
+            <a:off x="5596519" y="2074236"/>
+            <a:ext cx="1017932" cy="369332"/>
+          </a:xfrm>
+          <a:prstGeom prst="rect">
+            <a:avLst/>
+          </a:prstGeom>
+          <a:noFill/>
+        </p:spPr>
+        <p:txBody>
+          <a:bodyPr wrap="square" rtlCol="0">
+            <a:spAutoFit/>
+          </a:bodyPr>
+          <a:lstStyle/>
+          <a:p>
+            <a:pPr algn="ctr"/>
+            <a:r>
+              <a:rPr lang="pt-PT" dirty="0"/>
+              <a:t>MQAM3</a:t>
+            </a:r>
+          </a:p>
+        </p:txBody>
+      </p:sp>
+      <p:sp>
+        <p:nvSpPr>
+          <p:cNvPr id="28" name="TextBox 69">
+            <a:extLst>
+              <a:ext uri="{FF2B5EF4-FFF2-40B4-BE49-F238E27FC236}">
+                <a16:creationId xmlns:a16="http://schemas.microsoft.com/office/drawing/2014/main" id="{4B0C1455-74F2-4396-9502-785D2AA048D9}"/>
+              </a:ext>
+            </a:extLst>
+          </p:cNvPr>
+          <p:cNvSpPr txBox="1"/>
+          <p:nvPr/>
+        </p:nvSpPr>
+        <p:spPr>
+          <a:xfrm>
+            <a:off x="5559188" y="4002078"/>
+            <a:ext cx="1026594" cy="369332"/>
+          </a:xfrm>
+          <a:prstGeom prst="rect">
+            <a:avLst/>
+          </a:prstGeom>
+          <a:noFill/>
+        </p:spPr>
+        <p:txBody>
+          <a:bodyPr wrap="square" rtlCol="0">
+            <a:spAutoFit/>
+          </a:bodyPr>
+          <a:lstStyle/>
+          <a:p>
+            <a:pPr algn="ctr"/>
+            <a:r>
+              <a:rPr lang="pt-PT" dirty="0"/>
+              <a:t>MQAM4</a:t>
+            </a:r>
+          </a:p>
+        </p:txBody>
+      </p:sp>
+      <p:sp>
+        <p:nvSpPr>
+          <p:cNvPr id="29" name="TextBox 70">
+            <a:extLst>
+              <a:ext uri="{FF2B5EF4-FFF2-40B4-BE49-F238E27FC236}">
+                <a16:creationId xmlns:a16="http://schemas.microsoft.com/office/drawing/2014/main" id="{8E1DD973-7F0C-41DD-A1D5-36C2B99E1301}"/>
+              </a:ext>
+            </a:extLst>
+          </p:cNvPr>
+          <p:cNvSpPr txBox="1"/>
+          <p:nvPr/>
+        </p:nvSpPr>
+        <p:spPr>
+          <a:xfrm>
+            <a:off x="7808702" y="2071842"/>
+            <a:ext cx="1000290" cy="369332"/>
+          </a:xfrm>
+          <a:prstGeom prst="rect">
+            <a:avLst/>
+          </a:prstGeom>
+          <a:noFill/>
+        </p:spPr>
+        <p:txBody>
+          <a:bodyPr wrap="square" rtlCol="0">
+            <a:spAutoFit/>
+          </a:bodyPr>
+          <a:lstStyle/>
+          <a:p>
+            <a:pPr algn="ctr"/>
+            <a:r>
+              <a:rPr lang="pt-PT" dirty="0"/>
+              <a:t>MQAM5</a:t>
+            </a:r>
+          </a:p>
+        </p:txBody>
+      </p:sp>
+      <p:sp>
+        <p:nvSpPr>
+          <p:cNvPr id="30" name="TextBox 71">
+            <a:extLst>
+              <a:ext uri="{FF2B5EF4-FFF2-40B4-BE49-F238E27FC236}">
+                <a16:creationId xmlns:a16="http://schemas.microsoft.com/office/drawing/2014/main" id="{1497ED08-22EB-4FA9-8537-A6553964E231}"/>
+              </a:ext>
+            </a:extLst>
+          </p:cNvPr>
+          <p:cNvSpPr txBox="1"/>
+          <p:nvPr/>
+        </p:nvSpPr>
+        <p:spPr>
+          <a:xfrm>
+            <a:off x="7808702" y="4002078"/>
+            <a:ext cx="1018222" cy="369332"/>
+          </a:xfrm>
+          <a:prstGeom prst="rect">
+            <a:avLst/>
+          </a:prstGeom>
+          <a:noFill/>
+        </p:spPr>
+        <p:txBody>
+          <a:bodyPr wrap="square" rtlCol="0">
+            <a:spAutoFit/>
+          </a:bodyPr>
+          <a:lstStyle/>
+          <a:p>
+            <a:pPr algn="ctr"/>
+            <a:r>
+              <a:rPr lang="pt-PT" dirty="0"/>
+              <a:t>MQAM6</a:t>
+            </a:r>
+          </a:p>
+        </p:txBody>
+      </p:sp>
+      <p:cxnSp>
+        <p:nvCxnSpPr>
+          <p:cNvPr id="34" name="Conexão reta unidirecional 33">
+            <a:extLst>
+              <a:ext uri="{FF2B5EF4-FFF2-40B4-BE49-F238E27FC236}">
+                <a16:creationId xmlns:a16="http://schemas.microsoft.com/office/drawing/2014/main" id="{1101D689-3B96-4A2B-B7D4-347BE5558A2C}"/>
+              </a:ext>
+            </a:extLst>
+          </p:cNvPr>
+          <p:cNvCxnSpPr>
+            <a:cxnSpLocks/>
+            <a:endCxn id="6" idx="1"/>
+          </p:cNvCxnSpPr>
+          <p:nvPr/>
+        </p:nvCxnSpPr>
+        <p:spPr>
+          <a:xfrm>
+            <a:off x="1363579" y="3137127"/>
+            <a:ext cx="316569" cy="0"/>
+          </a:xfrm>
+          <a:prstGeom prst="straightConnector1">
+            <a:avLst/>
+          </a:prstGeom>
+          <a:ln w="19050">
+            <a:solidFill>
               <a:schemeClr val="tx1"/>
-            </a:fontRef>
-          </p:style>
-        </p:cxnSp>
-        <p:sp>
-          <p:nvSpPr>
-            <p:cNvPr id="36" name="CaixaDeTexto 35">
-              <a:extLst>
-                <a:ext uri="{FF2B5EF4-FFF2-40B4-BE49-F238E27FC236}">
-                  <a16:creationId xmlns:a16="http://schemas.microsoft.com/office/drawing/2014/main" id="{5AF0A499-648C-40BB-BCD7-2E7A41CD415C}"/>
-                </a:ext>
-              </a:extLst>
-            </p:cNvPr>
-            <p:cNvSpPr txBox="1"/>
-            <p:nvPr/>
-          </p:nvSpPr>
-          <p:spPr>
-            <a:xfrm>
-              <a:off x="-318705" y="4348327"/>
-              <a:ext cx="1922419" cy="646331"/>
-            </a:xfrm>
-            <a:prstGeom prst="rect">
-              <a:avLst/>
-            </a:prstGeom>
-            <a:noFill/>
-          </p:spPr>
-          <p:txBody>
-            <a:bodyPr wrap="square" rtlCol="0">
-              <a:spAutoFit/>
-            </a:bodyPr>
-            <a:lstStyle/>
-            <a:p>
-              <a:pPr algn="ctr"/>
-              <a:r>
-                <a:rPr lang="pt-PT" dirty="0"/>
-                <a:t>Output </a:t>
-              </a:r>
-              <a:r>
-                <a:rPr lang="pt-PT" dirty="0" err="1"/>
-                <a:t>signal</a:t>
-              </a:r>
-              <a:r>
-                <a:rPr lang="pt-PT" dirty="0"/>
-                <a:t> 2 (</a:t>
-              </a:r>
-              <a:r>
-                <a:rPr lang="pt-PT" dirty="0" err="1"/>
-                <a:t>Binary</a:t>
-              </a:r>
-              <a:r>
-                <a:rPr lang="pt-PT" dirty="0"/>
-                <a:t> </a:t>
-              </a:r>
-              <a:r>
-                <a:rPr lang="pt-PT" dirty="0" err="1"/>
-                <a:t>Sequence</a:t>
-              </a:r>
-              <a:r>
-                <a:rPr lang="pt-PT" dirty="0"/>
-                <a:t>)</a:t>
-              </a:r>
-            </a:p>
-          </p:txBody>
-        </p:sp>
-        <p:sp>
-          <p:nvSpPr>
-            <p:cNvPr id="37" name="CaixaDeTexto 36">
-              <a:extLst>
-                <a:ext uri="{FF2B5EF4-FFF2-40B4-BE49-F238E27FC236}">
-                  <a16:creationId xmlns:a16="http://schemas.microsoft.com/office/drawing/2014/main" id="{541FF4E5-81CE-4981-B692-BA9F838CEDA3}"/>
-                </a:ext>
-              </a:extLst>
-            </p:cNvPr>
-            <p:cNvSpPr txBox="1"/>
-            <p:nvPr/>
-          </p:nvSpPr>
-          <p:spPr>
-            <a:xfrm>
-              <a:off x="11382364" y="2813961"/>
-              <a:ext cx="2328084" cy="646331"/>
-            </a:xfrm>
-            <a:prstGeom prst="rect">
-              <a:avLst/>
-            </a:prstGeom>
-            <a:noFill/>
-          </p:spPr>
-          <p:txBody>
-            <a:bodyPr wrap="square" rtlCol="0">
-              <a:spAutoFit/>
-            </a:bodyPr>
-            <a:lstStyle/>
-            <a:p>
-              <a:pPr algn="ctr"/>
-              <a:r>
-                <a:rPr lang="pt-PT" dirty="0"/>
-                <a:t>Output </a:t>
-              </a:r>
-              <a:r>
-                <a:rPr lang="pt-PT" dirty="0" err="1"/>
-                <a:t>signal</a:t>
-              </a:r>
-              <a:r>
-                <a:rPr lang="pt-PT" dirty="0"/>
-                <a:t> 1 (MQAM </a:t>
-              </a:r>
-              <a:r>
-                <a:rPr lang="pt-PT" dirty="0" err="1"/>
-                <a:t>Optical</a:t>
-              </a:r>
-              <a:r>
-                <a:rPr lang="pt-PT" dirty="0"/>
-                <a:t> </a:t>
-              </a:r>
-              <a:r>
-                <a:rPr lang="pt-PT" dirty="0" err="1"/>
-                <a:t>signal</a:t>
-              </a:r>
-              <a:r>
-                <a:rPr lang="pt-PT" dirty="0"/>
-                <a:t>)</a:t>
-              </a:r>
-            </a:p>
-          </p:txBody>
-        </p:sp>
-      </p:grpSp>
+            </a:solidFill>
+            <a:tailEnd type="triangle"/>
+          </a:ln>
+        </p:spPr>
+        <p:style>
+          <a:lnRef idx="1">
+            <a:schemeClr val="accent1"/>
+          </a:lnRef>
+          <a:fillRef idx="0">
+            <a:schemeClr val="accent1"/>
+          </a:fillRef>
+          <a:effectRef idx="0">
+            <a:schemeClr val="accent1"/>
+          </a:effectRef>
+          <a:fontRef idx="minor">
+            <a:schemeClr val="tx1"/>
+          </a:fontRef>
+        </p:style>
+      </p:cxnSp>
+      <p:cxnSp>
+        <p:nvCxnSpPr>
+          <p:cNvPr id="35" name="Conexão reta unidirecional 34">
+            <a:extLst>
+              <a:ext uri="{FF2B5EF4-FFF2-40B4-BE49-F238E27FC236}">
+                <a16:creationId xmlns:a16="http://schemas.microsoft.com/office/drawing/2014/main" id="{3D51E70C-8234-4F0F-B5E6-CB4C1021E579}"/>
+              </a:ext>
+            </a:extLst>
+          </p:cNvPr>
+          <p:cNvCxnSpPr>
+            <a:cxnSpLocks/>
+            <a:stCxn id="11" idx="3"/>
+          </p:cNvCxnSpPr>
+          <p:nvPr/>
+        </p:nvCxnSpPr>
+        <p:spPr>
+          <a:xfrm>
+            <a:off x="9980106" y="3137127"/>
+            <a:ext cx="334968" cy="0"/>
+          </a:xfrm>
+          <a:prstGeom prst="straightConnector1">
+            <a:avLst/>
+          </a:prstGeom>
+          <a:ln w="19050">
+            <a:solidFill>
+              <a:schemeClr val="tx1"/>
+            </a:solidFill>
+            <a:tailEnd type="triangle"/>
+          </a:ln>
+        </p:spPr>
+        <p:style>
+          <a:lnRef idx="1">
+            <a:schemeClr val="accent1"/>
+          </a:lnRef>
+          <a:fillRef idx="0">
+            <a:schemeClr val="accent1"/>
+          </a:fillRef>
+          <a:effectRef idx="0">
+            <a:schemeClr val="accent1"/>
+          </a:effectRef>
+          <a:fontRef idx="minor">
+            <a:schemeClr val="tx1"/>
+          </a:fontRef>
+        </p:style>
+      </p:cxnSp>
+      <p:cxnSp>
+        <p:nvCxnSpPr>
+          <p:cNvPr id="43" name="Elbow Connector 27">
+            <a:extLst>
+              <a:ext uri="{FF2B5EF4-FFF2-40B4-BE49-F238E27FC236}">
+                <a16:creationId xmlns:a16="http://schemas.microsoft.com/office/drawing/2014/main" id="{A832AF7D-8D0F-4B89-8A56-4DFA73F4836D}"/>
+              </a:ext>
+            </a:extLst>
+          </p:cNvPr>
+          <p:cNvCxnSpPr>
+            <a:cxnSpLocks/>
+            <a:endCxn id="11" idx="2"/>
+          </p:cNvCxnSpPr>
+          <p:nvPr/>
+        </p:nvCxnSpPr>
+        <p:spPr>
+          <a:xfrm flipV="1">
+            <a:off x="1363579" y="3529933"/>
+            <a:ext cx="8012450" cy="1479947"/>
+          </a:xfrm>
+          <a:prstGeom prst="bentConnector2">
+            <a:avLst/>
+          </a:prstGeom>
+          <a:ln w="19050">
+            <a:solidFill>
+              <a:schemeClr val="tx1"/>
+            </a:solidFill>
+          </a:ln>
+        </p:spPr>
+        <p:style>
+          <a:lnRef idx="1">
+            <a:schemeClr val="accent1"/>
+          </a:lnRef>
+          <a:fillRef idx="0">
+            <a:schemeClr val="accent1"/>
+          </a:fillRef>
+          <a:effectRef idx="0">
+            <a:schemeClr val="accent1"/>
+          </a:effectRef>
+          <a:fontRef idx="minor">
+            <a:schemeClr val="tx1"/>
+          </a:fontRef>
+        </p:style>
+      </p:cxnSp>
+      <p:sp>
+        <p:nvSpPr>
+          <p:cNvPr id="46" name="CaixaDeTexto 45">
+            <a:extLst>
+              <a:ext uri="{FF2B5EF4-FFF2-40B4-BE49-F238E27FC236}">
+                <a16:creationId xmlns:a16="http://schemas.microsoft.com/office/drawing/2014/main" id="{A5476C03-91E8-4161-96FD-2EAF154D6A70}"/>
+              </a:ext>
+            </a:extLst>
+          </p:cNvPr>
+          <p:cNvSpPr txBox="1"/>
+          <p:nvPr/>
+        </p:nvSpPr>
+        <p:spPr>
+          <a:xfrm>
+            <a:off x="-228556" y="4686716"/>
+            <a:ext cx="1922419" cy="646331"/>
+          </a:xfrm>
+          <a:prstGeom prst="rect">
+            <a:avLst/>
+          </a:prstGeom>
+          <a:noFill/>
+        </p:spPr>
+        <p:txBody>
+          <a:bodyPr wrap="square" rtlCol="0">
+            <a:spAutoFit/>
+          </a:bodyPr>
+          <a:lstStyle/>
+          <a:p>
+            <a:pPr algn="ctr"/>
+            <a:r>
+              <a:rPr lang="pt-PT" dirty="0"/>
+              <a:t>Input </a:t>
+            </a:r>
+            <a:r>
+              <a:rPr lang="pt-PT" dirty="0" err="1"/>
+              <a:t>signal</a:t>
+            </a:r>
+            <a:r>
+              <a:rPr lang="pt-PT" dirty="0"/>
+              <a:t> 2  (</a:t>
+            </a:r>
+            <a:r>
+              <a:rPr lang="pt-PT" dirty="0" err="1"/>
+              <a:t>Optical</a:t>
+            </a:r>
+            <a:r>
+              <a:rPr lang="pt-PT" dirty="0"/>
+              <a:t>)</a:t>
+            </a:r>
+          </a:p>
+        </p:txBody>
+      </p:sp>
+      <p:sp>
+        <p:nvSpPr>
+          <p:cNvPr id="47" name="TextBox 67">
+            <a:extLst>
+              <a:ext uri="{FF2B5EF4-FFF2-40B4-BE49-F238E27FC236}">
+                <a16:creationId xmlns:a16="http://schemas.microsoft.com/office/drawing/2014/main" id="{CA842489-B949-4D30-80E1-13B15929796F}"/>
+              </a:ext>
+            </a:extLst>
+          </p:cNvPr>
+          <p:cNvSpPr txBox="1"/>
+          <p:nvPr/>
+        </p:nvSpPr>
+        <p:spPr>
+          <a:xfrm>
+            <a:off x="2979537" y="4002078"/>
+            <a:ext cx="1105064" cy="369332"/>
+          </a:xfrm>
+          <a:prstGeom prst="rect">
+            <a:avLst/>
+          </a:prstGeom>
+          <a:noFill/>
+        </p:spPr>
+        <p:txBody>
+          <a:bodyPr wrap="square" rtlCol="0">
+            <a:spAutoFit/>
+          </a:bodyPr>
+          <a:lstStyle/>
+          <a:p>
+            <a:pPr algn="ctr"/>
+            <a:r>
+              <a:rPr lang="pt-PT" dirty="0"/>
+              <a:t>MQAM2</a:t>
+            </a:r>
+          </a:p>
+        </p:txBody>
+      </p:sp>
     </p:spTree>
     <p:extLst>
       <p:ext uri="{BB962C8B-B14F-4D97-AF65-F5344CB8AC3E}">
